--- a/media/Durandal.pptx
+++ b/media/Durandal.pptx
@@ -10,12 +10,17 @@
     <p:sldId id="259" r:id="rId4"/>
     <p:sldId id="260" r:id="rId5"/>
     <p:sldId id="261" r:id="rId6"/>
-    <p:sldId id="265" r:id="rId7"/>
-    <p:sldId id="266" r:id="rId8"/>
-    <p:sldId id="264" r:id="rId9"/>
-    <p:sldId id="263" r:id="rId10"/>
-    <p:sldId id="262" r:id="rId11"/>
-    <p:sldId id="258" r:id="rId12"/>
+    <p:sldId id="268" r:id="rId7"/>
+    <p:sldId id="269" r:id="rId8"/>
+    <p:sldId id="270" r:id="rId9"/>
+    <p:sldId id="271" r:id="rId10"/>
+    <p:sldId id="267" r:id="rId11"/>
+    <p:sldId id="265" r:id="rId12"/>
+    <p:sldId id="266" r:id="rId13"/>
+    <p:sldId id="264" r:id="rId14"/>
+    <p:sldId id="263" r:id="rId15"/>
+    <p:sldId id="262" r:id="rId16"/>
+    <p:sldId id="258" r:id="rId17"/>
   </p:sldIdLst>
   <p:sldSz cx="12192000" cy="6858000"/>
   <p:notesSz cx="6858000" cy="9144000"/>
@@ -1917,25 +1922,25 @@
     </dgm:pt>
   </dgm:ptLst>
   <dgm:cxnLst>
-    <dgm:cxn modelId="{684B01C3-7F76-4C94-8110-D0DE37653640}" srcId="{72DA4633-FEFD-496D-B730-2904B3E15804}" destId="{BED90CE7-06CF-4303-A013-7F355670EC8F}" srcOrd="0" destOrd="0" parTransId="{B010EBDB-548E-4A73-A690-31EF988FC3A1}" sibTransId="{F4EA0539-59B0-4260-9054-722F51787A87}"/>
-    <dgm:cxn modelId="{3E72CB64-B92D-471A-884D-8CC6B1BBC22C}" type="presOf" srcId="{CF9C6AB3-9674-4D9E-A682-D05B9E374391}" destId="{F24B0AAD-9958-4A33-B0C1-64E6D10DE609}" srcOrd="0" destOrd="0" presId="urn:microsoft.com/office/officeart/2005/8/layout/process4"/>
+    <dgm:cxn modelId="{E0807D01-CA15-44F3-A3EB-C725498899E1}" type="presOf" srcId="{3F8DB3F9-D9F0-4FA1-9979-D7A7BD754FF6}" destId="{B4C84498-0130-4B19-BBD6-70D69440431C}" srcOrd="0" destOrd="0" presId="urn:microsoft.com/office/officeart/2005/8/layout/process4"/>
+    <dgm:cxn modelId="{E55D9BA2-1399-4B28-A852-66C0C8A3745F}" srcId="{72DA4633-FEFD-496D-B730-2904B3E15804}" destId="{442FD431-1624-4772-A891-5BF72F0F5C8B}" srcOrd="4" destOrd="0" parTransId="{87B8C5AF-CDD9-4671-8BB5-361C5C9B5785}" sibTransId="{C3CF4395-E519-4B46-B668-F0414ABB5CBA}"/>
+    <dgm:cxn modelId="{FD65DEC8-F88F-49C4-AFBB-56D89B17107E}" type="presOf" srcId="{442FD431-1624-4772-A891-5BF72F0F5C8B}" destId="{65A4BE50-1B95-4E93-ABD6-71DDF0C2485F}" srcOrd="0" destOrd="0" presId="urn:microsoft.com/office/officeart/2005/8/layout/process4"/>
     <dgm:cxn modelId="{1864317D-03C6-49AD-A817-4A1353DF45AF}" type="presOf" srcId="{39415B08-294B-47C8-8854-B772198FDE9B}" destId="{28526DBC-CA0D-4D07-85FF-97B38A3ACEA9}" srcOrd="0" destOrd="0" presId="urn:microsoft.com/office/officeart/2005/8/layout/process4"/>
-    <dgm:cxn modelId="{5C6373B8-4C86-4F09-BECF-E5300224D389}" srcId="{72DA4633-FEFD-496D-B730-2904B3E15804}" destId="{CF9C6AB3-9674-4D9E-A682-D05B9E374391}" srcOrd="6" destOrd="0" parTransId="{2839A7E9-B6D8-4FC0-A58C-4528BE2EA2C7}" sibTransId="{96967E5B-8F91-4FB9-8428-F49C17C506CF}"/>
-    <dgm:cxn modelId="{16BF4E2C-B761-4C37-9F05-7E1FFCD88EDC}" type="presOf" srcId="{72DA4633-FEFD-496D-B730-2904B3E15804}" destId="{2730A15F-CD84-46FB-A6DD-D7D90EE52771}" srcOrd="0" destOrd="0" presId="urn:microsoft.com/office/officeart/2005/8/layout/process4"/>
-    <dgm:cxn modelId="{B0C560A9-77DD-46F6-9E50-A359A7E37430}" srcId="{72DA4633-FEFD-496D-B730-2904B3E15804}" destId="{8CD43C45-3824-4BCC-B4F4-7AA45840948A}" srcOrd="7" destOrd="0" parTransId="{8E37DB3C-EB0B-4C96-875F-59B0E4CD64A6}" sibTransId="{1819599A-D235-4DEB-9A89-7FFD693B2A38}"/>
+    <dgm:cxn modelId="{64102AF6-388F-4FFB-ADD0-256428E85AAC}" srcId="{72DA4633-FEFD-496D-B730-2904B3E15804}" destId="{3F8DB3F9-D9F0-4FA1-9979-D7A7BD754FF6}" srcOrd="3" destOrd="0" parTransId="{84DC4E98-5686-4046-8D61-5004872B3A90}" sibTransId="{293660A5-4AA6-47F9-A925-438AF296A6B5}"/>
     <dgm:cxn modelId="{086FB685-C95E-451F-A554-F789E002CEF2}" type="presOf" srcId="{BED90CE7-06CF-4303-A013-7F355670EC8F}" destId="{DCF27B8D-7B8F-463F-9C53-9668D4399169}" srcOrd="0" destOrd="0" presId="urn:microsoft.com/office/officeart/2005/8/layout/process4"/>
-    <dgm:cxn modelId="{E0807D01-CA15-44F3-A3EB-C725498899E1}" type="presOf" srcId="{3F8DB3F9-D9F0-4FA1-9979-D7A7BD754FF6}" destId="{B4C84498-0130-4B19-BBD6-70D69440431C}" srcOrd="0" destOrd="0" presId="urn:microsoft.com/office/officeart/2005/8/layout/process4"/>
-    <dgm:cxn modelId="{4F0A4DA5-8CF1-411E-9D66-67920DA27F5E}" srcId="{72DA4633-FEFD-496D-B730-2904B3E15804}" destId="{A7BB4776-96B3-4AFE-BC1D-BC09113AC714}" srcOrd="1" destOrd="0" parTransId="{D175F5AB-7AD2-44DC-B777-63F75E6F4F19}" sibTransId="{BE62E5ED-9D9A-4523-9E0E-7765FCF0DE74}"/>
-    <dgm:cxn modelId="{0EC85FF3-AA00-49BD-B5FD-AFB850DD390F}" type="presOf" srcId="{A7BB4776-96B3-4AFE-BC1D-BC09113AC714}" destId="{576AC2A6-909E-4CCA-B5AB-A78E2AC70C87}" srcOrd="0" destOrd="0" presId="urn:microsoft.com/office/officeart/2005/8/layout/process4"/>
     <dgm:cxn modelId="{2BF77969-220C-447E-B67E-D4A8618AD4A1}" type="presOf" srcId="{7DAAA63A-E509-44CD-9A3D-03128F928571}" destId="{537CB129-2311-4DAF-AADC-1A0134009DC5}" srcOrd="0" destOrd="0" presId="urn:microsoft.com/office/officeart/2005/8/layout/process4"/>
     <dgm:cxn modelId="{E3AF5092-BD77-4CF6-A7C5-D4D8BC9152EA}" srcId="{72DA4633-FEFD-496D-B730-2904B3E15804}" destId="{7DAAA63A-E509-44CD-9A3D-03128F928571}" srcOrd="8" destOrd="0" parTransId="{6A723CCB-57AA-4B11-8D79-C4C316CDF2EA}" sibTransId="{89AF6E3C-F385-4568-BA4E-3EB1C21F7934}"/>
-    <dgm:cxn modelId="{64102AF6-388F-4FFB-ADD0-256428E85AAC}" srcId="{72DA4633-FEFD-496D-B730-2904B3E15804}" destId="{3F8DB3F9-D9F0-4FA1-9979-D7A7BD754FF6}" srcOrd="3" destOrd="0" parTransId="{84DC4E98-5686-4046-8D61-5004872B3A90}" sibTransId="{293660A5-4AA6-47F9-A925-438AF296A6B5}"/>
+    <dgm:cxn modelId="{684B01C3-7F76-4C94-8110-D0DE37653640}" srcId="{72DA4633-FEFD-496D-B730-2904B3E15804}" destId="{BED90CE7-06CF-4303-A013-7F355670EC8F}" srcOrd="0" destOrd="0" parTransId="{B010EBDB-548E-4A73-A690-31EF988FC3A1}" sibTransId="{F4EA0539-59B0-4260-9054-722F51787A87}"/>
     <dgm:cxn modelId="{61459E76-01B2-455D-AADA-91FA398BD7E3}" type="presOf" srcId="{412CF126-36A2-4296-B568-A452EFAA385D}" destId="{C9481A93-2961-4A60-8733-DF43F850B6E3}" srcOrd="0" destOrd="0" presId="urn:microsoft.com/office/officeart/2005/8/layout/process4"/>
-    <dgm:cxn modelId="{FD65DEC8-F88F-49C4-AFBB-56D89B17107E}" type="presOf" srcId="{442FD431-1624-4772-A891-5BF72F0F5C8B}" destId="{65A4BE50-1B95-4E93-ABD6-71DDF0C2485F}" srcOrd="0" destOrd="0" presId="urn:microsoft.com/office/officeart/2005/8/layout/process4"/>
+    <dgm:cxn modelId="{5C6373B8-4C86-4F09-BECF-E5300224D389}" srcId="{72DA4633-FEFD-496D-B730-2904B3E15804}" destId="{CF9C6AB3-9674-4D9E-A682-D05B9E374391}" srcOrd="6" destOrd="0" parTransId="{2839A7E9-B6D8-4FC0-A58C-4528BE2EA2C7}" sibTransId="{96967E5B-8F91-4FB9-8428-F49C17C506CF}"/>
     <dgm:cxn modelId="{63DFF6A3-2EF2-4BE8-A4EC-2CCBF28E2C79}" srcId="{72DA4633-FEFD-496D-B730-2904B3E15804}" destId="{412CF126-36A2-4296-B568-A452EFAA385D}" srcOrd="5" destOrd="0" parTransId="{5F4200CC-5877-4710-A6AC-B1C9286DDB4B}" sibTransId="{2A7904F2-06F0-4701-8BC6-A6BFAABD140D}"/>
-    <dgm:cxn modelId="{E55D9BA2-1399-4B28-A852-66C0C8A3745F}" srcId="{72DA4633-FEFD-496D-B730-2904B3E15804}" destId="{442FD431-1624-4772-A891-5BF72F0F5C8B}" srcOrd="4" destOrd="0" parTransId="{87B8C5AF-CDD9-4671-8BB5-361C5C9B5785}" sibTransId="{C3CF4395-E519-4B46-B668-F0414ABB5CBA}"/>
+    <dgm:cxn modelId="{B0C560A9-77DD-46F6-9E50-A359A7E37430}" srcId="{72DA4633-FEFD-496D-B730-2904B3E15804}" destId="{8CD43C45-3824-4BCC-B4F4-7AA45840948A}" srcOrd="7" destOrd="0" parTransId="{8E37DB3C-EB0B-4C96-875F-59B0E4CD64A6}" sibTransId="{1819599A-D235-4DEB-9A89-7FFD693B2A38}"/>
+    <dgm:cxn modelId="{FE0D7921-69A7-43A8-BA5A-855B85916C0B}" srcId="{72DA4633-FEFD-496D-B730-2904B3E15804}" destId="{39415B08-294B-47C8-8854-B772198FDE9B}" srcOrd="2" destOrd="0" parTransId="{EC2BB30E-9CFB-45BD-8CAF-DA89E77D23F4}" sibTransId="{B7B827D0-5320-44B3-BC1C-36C684F519BF}"/>
+    <dgm:cxn modelId="{3E72CB64-B92D-471A-884D-8CC6B1BBC22C}" type="presOf" srcId="{CF9C6AB3-9674-4D9E-A682-D05B9E374391}" destId="{F24B0AAD-9958-4A33-B0C1-64E6D10DE609}" srcOrd="0" destOrd="0" presId="urn:microsoft.com/office/officeart/2005/8/layout/process4"/>
+    <dgm:cxn modelId="{0EC85FF3-AA00-49BD-B5FD-AFB850DD390F}" type="presOf" srcId="{A7BB4776-96B3-4AFE-BC1D-BC09113AC714}" destId="{576AC2A6-909E-4CCA-B5AB-A78E2AC70C87}" srcOrd="0" destOrd="0" presId="urn:microsoft.com/office/officeart/2005/8/layout/process4"/>
+    <dgm:cxn modelId="{16BF4E2C-B761-4C37-9F05-7E1FFCD88EDC}" type="presOf" srcId="{72DA4633-FEFD-496D-B730-2904B3E15804}" destId="{2730A15F-CD84-46FB-A6DD-D7D90EE52771}" srcOrd="0" destOrd="0" presId="urn:microsoft.com/office/officeart/2005/8/layout/process4"/>
+    <dgm:cxn modelId="{4F0A4DA5-8CF1-411E-9D66-67920DA27F5E}" srcId="{72DA4633-FEFD-496D-B730-2904B3E15804}" destId="{A7BB4776-96B3-4AFE-BC1D-BC09113AC714}" srcOrd="1" destOrd="0" parTransId="{D175F5AB-7AD2-44DC-B777-63F75E6F4F19}" sibTransId="{BE62E5ED-9D9A-4523-9E0E-7765FCF0DE74}"/>
     <dgm:cxn modelId="{C528744F-3174-4FC3-92C6-312B8B2C3448}" type="presOf" srcId="{8CD43C45-3824-4BCC-B4F4-7AA45840948A}" destId="{61291EB7-75D1-4D7E-8490-34366E284D24}" srcOrd="0" destOrd="0" presId="urn:microsoft.com/office/officeart/2005/8/layout/process4"/>
-    <dgm:cxn modelId="{FE0D7921-69A7-43A8-BA5A-855B85916C0B}" srcId="{72DA4633-FEFD-496D-B730-2904B3E15804}" destId="{39415B08-294B-47C8-8854-B772198FDE9B}" srcOrd="2" destOrd="0" parTransId="{EC2BB30E-9CFB-45BD-8CAF-DA89E77D23F4}" sibTransId="{B7B827D0-5320-44B3-BC1C-36C684F519BF}"/>
     <dgm:cxn modelId="{2FA329A7-A676-4384-969E-B003D47631CC}" type="presParOf" srcId="{2730A15F-CD84-46FB-A6DD-D7D90EE52771}" destId="{56722CE9-C563-43F6-9C2F-5183A2B36B6E}" srcOrd="0" destOrd="0" presId="urn:microsoft.com/office/officeart/2005/8/layout/process4"/>
     <dgm:cxn modelId="{DE158758-0741-4FD9-A380-DAE785C8AF3D}" type="presParOf" srcId="{56722CE9-C563-43F6-9C2F-5183A2B36B6E}" destId="{537CB129-2311-4DAF-AADC-1A0134009DC5}" srcOrd="0" destOrd="0" presId="urn:microsoft.com/office/officeart/2005/8/layout/process4"/>
     <dgm:cxn modelId="{DCD2B940-E55B-4E69-BA0C-475F8EB6A135}" type="presParOf" srcId="{2730A15F-CD84-46FB-A6DD-D7D90EE52771}" destId="{2CD714F5-CD17-4118-B153-7397A7F1378C}" srcOrd="1" destOrd="0" presId="urn:microsoft.com/office/officeart/2005/8/layout/process4"/>
@@ -4690,7 +4695,7 @@
             <a:fld id="{B61BEF0D-F0BB-DE4B-95CE-6DB70DBA9567}" type="datetimeFigureOut">
               <a:rPr lang="en-US" dirty="0"/>
               <a:pPr/>
-              <a:t>8/14/2013</a:t>
+              <a:t>10/15/2013</a:t>
             </a:fld>
             <a:endParaRPr lang="en-US" dirty="0"/>
           </a:p>
@@ -5123,7 +5128,7 @@
             <a:fld id="{B61BEF0D-F0BB-DE4B-95CE-6DB70DBA9567}" type="datetimeFigureOut">
               <a:rPr lang="en-US" dirty="0"/>
               <a:pPr/>
-              <a:t>8/14/2013</a:t>
+              <a:t>10/15/2013</a:t>
             </a:fld>
             <a:endParaRPr lang="en-US" dirty="0"/>
           </a:p>
@@ -5368,7 +5373,7 @@
             <a:fld id="{B61BEF0D-F0BB-DE4B-95CE-6DB70DBA9567}" type="datetimeFigureOut">
               <a:rPr lang="en-US" dirty="0"/>
               <a:pPr/>
-              <a:t>8/14/2013</a:t>
+              <a:t>10/15/2013</a:t>
             </a:fld>
             <a:endParaRPr lang="en-US" dirty="0"/>
           </a:p>
@@ -5671,7 +5676,7 @@
             <a:fld id="{B61BEF0D-F0BB-DE4B-95CE-6DB70DBA9567}" type="datetimeFigureOut">
               <a:rPr lang="en-US" dirty="0"/>
               <a:pPr/>
-              <a:t>8/14/2013</a:t>
+              <a:t>10/15/2013</a:t>
             </a:fld>
             <a:endParaRPr lang="en-US" dirty="0"/>
           </a:p>
@@ -5984,7 +5989,7 @@
             <a:fld id="{B61BEF0D-F0BB-DE4B-95CE-6DB70DBA9567}" type="datetimeFigureOut">
               <a:rPr lang="en-US" dirty="0"/>
               <a:pPr/>
-              <a:t>8/14/2013</a:t>
+              <a:t>10/15/2013</a:t>
             </a:fld>
             <a:endParaRPr lang="en-US" dirty="0"/>
           </a:p>
@@ -6281,7 +6286,7 @@
             <a:fld id="{B61BEF0D-F0BB-DE4B-95CE-6DB70DBA9567}" type="datetimeFigureOut">
               <a:rPr lang="en-US" dirty="0"/>
               <a:pPr/>
-              <a:t>8/14/2013</a:t>
+              <a:t>10/15/2013</a:t>
             </a:fld>
             <a:endParaRPr lang="en-US" dirty="0"/>
           </a:p>
@@ -6643,7 +6648,7 @@
             <a:fld id="{B61BEF0D-F0BB-DE4B-95CE-6DB70DBA9567}" type="datetimeFigureOut">
               <a:rPr lang="en-US" dirty="0"/>
               <a:pPr/>
-              <a:t>8/14/2013</a:t>
+              <a:t>10/15/2013</a:t>
             </a:fld>
             <a:endParaRPr lang="en-US" dirty="0"/>
           </a:p>
@@ -6814,7 +6819,7 @@
             <a:fld id="{B61BEF0D-F0BB-DE4B-95CE-6DB70DBA9567}" type="datetimeFigureOut">
               <a:rPr lang="en-US" dirty="0"/>
               <a:pPr/>
-              <a:t>8/14/2013</a:t>
+              <a:t>10/15/2013</a:t>
             </a:fld>
             <a:endParaRPr lang="en-US" dirty="0"/>
           </a:p>
@@ -6991,7 +6996,7 @@
             <a:fld id="{B61BEF0D-F0BB-DE4B-95CE-6DB70DBA9567}" type="datetimeFigureOut">
               <a:rPr lang="en-US" dirty="0"/>
               <a:pPr/>
-              <a:t>8/14/2013</a:t>
+              <a:t>10/15/2013</a:t>
             </a:fld>
             <a:endParaRPr lang="en-US" dirty="0"/>
           </a:p>
@@ -7158,7 +7163,7 @@
             <a:fld id="{B61BEF0D-F0BB-DE4B-95CE-6DB70DBA9567}" type="datetimeFigureOut">
               <a:rPr lang="en-US" dirty="0"/>
               <a:pPr/>
-              <a:t>8/14/2013</a:t>
+              <a:t>10/15/2013</a:t>
             </a:fld>
             <a:endParaRPr lang="en-US" dirty="0"/>
           </a:p>
@@ -7403,7 +7408,7 @@
             <a:fld id="{B61BEF0D-F0BB-DE4B-95CE-6DB70DBA9567}" type="datetimeFigureOut">
               <a:rPr lang="en-US" dirty="0"/>
               <a:pPr/>
-              <a:t>8/14/2013</a:t>
+              <a:t>10/15/2013</a:t>
             </a:fld>
             <a:endParaRPr lang="en-US" dirty="0"/>
           </a:p>
@@ -7636,7 +7641,7 @@
             <a:fld id="{B61BEF0D-F0BB-DE4B-95CE-6DB70DBA9567}" type="datetimeFigureOut">
               <a:rPr lang="en-US" dirty="0"/>
               <a:pPr/>
-              <a:t>8/14/2013</a:t>
+              <a:t>10/15/2013</a:t>
             </a:fld>
             <a:endParaRPr lang="en-US" dirty="0"/>
           </a:p>
@@ -8015,7 +8020,7 @@
             <a:fld id="{B61BEF0D-F0BB-DE4B-95CE-6DB70DBA9567}" type="datetimeFigureOut">
               <a:rPr lang="en-US" dirty="0"/>
               <a:pPr/>
-              <a:t>8/14/2013</a:t>
+              <a:t>10/15/2013</a:t>
             </a:fld>
             <a:endParaRPr lang="en-US" dirty="0"/>
           </a:p>
@@ -8130,7 +8135,7 @@
             <a:fld id="{B61BEF0D-F0BB-DE4B-95CE-6DB70DBA9567}" type="datetimeFigureOut">
               <a:rPr lang="en-US" dirty="0"/>
               <a:pPr/>
-              <a:t>8/14/2013</a:t>
+              <a:t>10/15/2013</a:t>
             </a:fld>
             <a:endParaRPr lang="en-US" dirty="0"/>
           </a:p>
@@ -8222,7 +8227,7 @@
             <a:fld id="{B61BEF0D-F0BB-DE4B-95CE-6DB70DBA9567}" type="datetimeFigureOut">
               <a:rPr lang="en-US" dirty="0"/>
               <a:pPr/>
-              <a:t>8/14/2013</a:t>
+              <a:t>10/15/2013</a:t>
             </a:fld>
             <a:endParaRPr lang="en-US" dirty="0"/>
           </a:p>
@@ -8474,7 +8479,7 @@
             <a:fld id="{B61BEF0D-F0BB-DE4B-95CE-6DB70DBA9567}" type="datetimeFigureOut">
               <a:rPr lang="en-US" dirty="0"/>
               <a:pPr/>
-              <a:t>8/14/2013</a:t>
+              <a:t>10/15/2013</a:t>
             </a:fld>
             <a:endParaRPr lang="en-US" dirty="0"/>
           </a:p>
@@ -8754,7 +8759,7 @@
             <a:fld id="{B61BEF0D-F0BB-DE4B-95CE-6DB70DBA9567}" type="datetimeFigureOut">
               <a:rPr lang="en-US" dirty="0"/>
               <a:pPr/>
-              <a:t>8/14/2013</a:t>
+              <a:t>10/15/2013</a:t>
             </a:fld>
             <a:endParaRPr lang="en-US" dirty="0"/>
           </a:p>
@@ -9157,7 +9162,7 @@
             <a:fld id="{B61BEF0D-F0BB-DE4B-95CE-6DB70DBA9567}" type="datetimeFigureOut">
               <a:rPr lang="en-US" dirty="0"/>
               <a:pPr/>
-              <a:t>8/14/2013</a:t>
+              <a:t>10/15/2013</a:t>
             </a:fld>
             <a:endParaRPr lang="en-US" dirty="0"/>
           </a:p>
@@ -9792,7 +9797,7 @@
         </p:nvSpPr>
         <p:spPr>
           <a:xfrm>
-            <a:off x="10789920" y="5521329"/>
+            <a:off x="10789920" y="6015601"/>
             <a:ext cx="1375578" cy="369332"/>
           </a:xfrm>
           <a:prstGeom prst="rect">
@@ -9817,46 +9822,6 @@
                 <a:latin typeface="Proxima Nova Lt" panose="02000506030000020004" pitchFamily="50" charset="0"/>
               </a:rPr>
               <a:t>DurandalJS</a:t>
-            </a:r>
-            <a:endParaRPr lang="en-US" dirty="0">
-              <a:latin typeface="Proxima Nova Lt" panose="02000506030000020004" pitchFamily="50" charset="0"/>
-            </a:endParaRPr>
-          </a:p>
-        </p:txBody>
-      </p:sp>
-      <p:sp>
-        <p:nvSpPr>
-          <p:cNvPr id="5" name="TextBox 4"/>
-          <p:cNvSpPr txBox="1"/>
-          <p:nvPr/>
-        </p:nvSpPr>
-        <p:spPr>
-          <a:xfrm>
-            <a:off x="10514635" y="5890661"/>
-            <a:ext cx="1598889" cy="369332"/>
-          </a:xfrm>
-          <a:prstGeom prst="rect">
-            <a:avLst/>
-          </a:prstGeom>
-          <a:noFill/>
-        </p:spPr>
-        <p:txBody>
-          <a:bodyPr wrap="square" rtlCol="0">
-            <a:spAutoFit/>
-          </a:bodyPr>
-          <a:lstStyle/>
-          <a:p>
-            <a:r>
-              <a:rPr lang="en-US" dirty="0" smtClean="0">
-                <a:latin typeface="Proxima Nova Lt" panose="02000506030000020004" pitchFamily="50" charset="0"/>
-              </a:rPr>
-              <a:t>@</a:t>
-            </a:r>
-            <a:r>
-              <a:rPr lang="en-US" dirty="0" err="1" smtClean="0">
-                <a:latin typeface="Proxima Nova Lt" panose="02000506030000020004" pitchFamily="50" charset="0"/>
-              </a:rPr>
-              <a:t>EisenbergEffect</a:t>
             </a:r>
             <a:endParaRPr lang="en-US" dirty="0">
               <a:latin typeface="Proxima Nova Lt" panose="02000506030000020004" pitchFamily="50" charset="0"/>
@@ -10005,6 +9970,1155 @@
       </p:grpSpPr>
       <p:sp>
         <p:nvSpPr>
+          <p:cNvPr id="10" name="Title 1"/>
+          <p:cNvSpPr txBox="1">
+            <a:spLocks/>
+          </p:cNvSpPr>
+          <p:nvPr/>
+        </p:nvSpPr>
+        <p:spPr>
+          <a:xfrm>
+            <a:off x="432777" y="181233"/>
+            <a:ext cx="10769622" cy="1912125"/>
+          </a:xfrm>
+          <a:prstGeom prst="rect">
+            <a:avLst/>
+          </a:prstGeom>
+          <a:ln>
+            <a:noFill/>
+          </a:ln>
+          <a:effectLst>
+            <a:outerShdw blurRad="57785" dist="33020" dir="3180000" algn="ctr">
+              <a:srgbClr val="000000">
+                <a:alpha val="30000"/>
+              </a:srgbClr>
+            </a:outerShdw>
+          </a:effectLst>
+          <a:scene3d>
+            <a:camera prst="orthographicFront">
+              <a:rot lat="0" lon="0" rev="0"/>
+            </a:camera>
+            <a:lightRig rig="brightRoom" dir="t">
+              <a:rot lat="0" lon="0" rev="600000"/>
+            </a:lightRig>
+          </a:scene3d>
+          <a:sp3d prstMaterial="metal">
+            <a:bevelT w="38100" h="57150" prst="angle"/>
+          </a:sp3d>
+        </p:spPr>
+        <p:txBody>
+          <a:bodyPr vert="horz" lIns="91440" tIns="45720" rIns="91440" bIns="45720" rtlCol="0" anchor="b">
+            <a:noAutofit/>
+          </a:bodyPr>
+          <a:lstStyle>
+            <a:lvl1pPr algn="l" defTabSz="457200" rtl="0" eaLnBrk="1" latinLnBrk="0" hangingPunct="1">
+              <a:spcBef>
+                <a:spcPct val="0"/>
+              </a:spcBef>
+              <a:buNone/>
+              <a:defRPr sz="4800" kern="1200" cap="all">
+                <a:ln w="3175" cmpd="sng">
+                  <a:noFill/>
+                </a:ln>
+                <a:solidFill>
+                  <a:schemeClr val="tx1"/>
+                </a:solidFill>
+                <a:effectLst/>
+                <a:latin typeface="+mj-lt"/>
+                <a:ea typeface="+mj-ea"/>
+                <a:cs typeface="+mj-cs"/>
+              </a:defRPr>
+            </a:lvl1pPr>
+            <a:lvl2pPr eaLnBrk="1" hangingPunct="1">
+              <a:defRPr>
+                <a:solidFill>
+                  <a:schemeClr val="tx2"/>
+                </a:solidFill>
+              </a:defRPr>
+            </a:lvl2pPr>
+            <a:lvl3pPr eaLnBrk="1" hangingPunct="1">
+              <a:defRPr>
+                <a:solidFill>
+                  <a:schemeClr val="tx2"/>
+                </a:solidFill>
+              </a:defRPr>
+            </a:lvl3pPr>
+            <a:lvl4pPr eaLnBrk="1" hangingPunct="1">
+              <a:defRPr>
+                <a:solidFill>
+                  <a:schemeClr val="tx2"/>
+                </a:solidFill>
+              </a:defRPr>
+            </a:lvl4pPr>
+            <a:lvl5pPr eaLnBrk="1" hangingPunct="1">
+              <a:defRPr>
+                <a:solidFill>
+                  <a:schemeClr val="tx2"/>
+                </a:solidFill>
+              </a:defRPr>
+            </a:lvl5pPr>
+            <a:lvl6pPr eaLnBrk="1" hangingPunct="1">
+              <a:defRPr>
+                <a:solidFill>
+                  <a:schemeClr val="tx2"/>
+                </a:solidFill>
+              </a:defRPr>
+            </a:lvl6pPr>
+            <a:lvl7pPr eaLnBrk="1" hangingPunct="1">
+              <a:defRPr>
+                <a:solidFill>
+                  <a:schemeClr val="tx2"/>
+                </a:solidFill>
+              </a:defRPr>
+            </a:lvl7pPr>
+            <a:lvl8pPr eaLnBrk="1" hangingPunct="1">
+              <a:defRPr>
+                <a:solidFill>
+                  <a:schemeClr val="tx2"/>
+                </a:solidFill>
+              </a:defRPr>
+            </a:lvl8pPr>
+            <a:lvl9pPr eaLnBrk="1" hangingPunct="1">
+              <a:defRPr>
+                <a:solidFill>
+                  <a:schemeClr val="tx2"/>
+                </a:solidFill>
+              </a:defRPr>
+            </a:lvl9pPr>
+          </a:lstStyle>
+          <a:p>
+            <a:r>
+              <a:rPr lang="en-US" sz="5900" dirty="0" smtClean="0">
+                <a:solidFill>
+                  <a:prstClr val="white"/>
+                </a:solidFill>
+                <a:latin typeface="Trajan Pro" panose="02020602050506020301" pitchFamily="18" charset="0"/>
+              </a:rPr>
+              <a:t>Key Concepts</a:t>
+            </a:r>
+          </a:p>
+          <a:p>
+            <a:r>
+              <a:rPr lang="en-US" sz="5900" dirty="0" smtClean="0">
+                <a:solidFill>
+                  <a:prstClr val="white"/>
+                </a:solidFill>
+                <a:latin typeface="Trajan Pro" panose="02020602050506020301" pitchFamily="18" charset="0"/>
+              </a:rPr>
+              <a:t>Part 1</a:t>
+            </a:r>
+            <a:endParaRPr lang="en-US" sz="5900" dirty="0">
+              <a:solidFill>
+                <a:prstClr val="white"/>
+              </a:solidFill>
+              <a:latin typeface="Trajan Pro" panose="02020602050506020301" pitchFamily="18" charset="0"/>
+            </a:endParaRPr>
+          </a:p>
+        </p:txBody>
+      </p:sp>
+      <p:sp>
+        <p:nvSpPr>
+          <p:cNvPr id="8" name="Subtitle 2"/>
+          <p:cNvSpPr>
+            <a:spLocks noGrp="1"/>
+          </p:cNvSpPr>
+          <p:nvPr>
+            <p:ph type="subTitle" idx="1"/>
+          </p:nvPr>
+        </p:nvSpPr>
+        <p:spPr>
+          <a:xfrm>
+            <a:off x="1080720" y="2615980"/>
+            <a:ext cx="7587532" cy="3637489"/>
+          </a:xfrm>
+        </p:spPr>
+        <p:txBody>
+          <a:bodyPr>
+            <a:normAutofit/>
+          </a:bodyPr>
+          <a:lstStyle/>
+          <a:p>
+            <a:pPr marL="457200" indent="-457200">
+              <a:buFont typeface="Arial" panose="020B0604020202020204" pitchFamily="34" charset="0"/>
+              <a:buChar char="•"/>
+            </a:pPr>
+            <a:r>
+              <a:rPr lang="en-US" sz="3200" dirty="0" smtClean="0">
+                <a:effectLst>
+                  <a:outerShdw blurRad="38100" dist="38100" dir="2700000" algn="tl">
+                    <a:srgbClr val="000000">
+                      <a:alpha val="43137"/>
+                    </a:srgbClr>
+                  </a:outerShdw>
+                </a:effectLst>
+                <a:latin typeface="Proxima Nova Lt" panose="02000506030000020004" pitchFamily="50" charset="0"/>
+              </a:rPr>
+              <a:t>Modularization</a:t>
+            </a:r>
+          </a:p>
+          <a:p>
+            <a:pPr marL="457200" indent="-457200">
+              <a:buFont typeface="Arial" panose="020B0604020202020204" pitchFamily="34" charset="0"/>
+              <a:buChar char="•"/>
+            </a:pPr>
+            <a:r>
+              <a:rPr lang="en-US" sz="3200" dirty="0" smtClean="0">
+                <a:effectLst>
+                  <a:outerShdw blurRad="38100" dist="38100" dir="2700000" algn="tl">
+                    <a:srgbClr val="000000">
+                      <a:alpha val="43137"/>
+                    </a:srgbClr>
+                  </a:outerShdw>
+                </a:effectLst>
+                <a:latin typeface="Proxima Nova Lt" panose="02000506030000020004" pitchFamily="50" charset="0"/>
+              </a:rPr>
+              <a:t>Composition</a:t>
+            </a:r>
+          </a:p>
+          <a:p>
+            <a:pPr marL="457200" indent="-457200">
+              <a:buFont typeface="Arial" panose="020B0604020202020204" pitchFamily="34" charset="0"/>
+              <a:buChar char="•"/>
+            </a:pPr>
+            <a:r>
+              <a:rPr lang="en-US" sz="3200" dirty="0" smtClean="0">
+                <a:effectLst>
+                  <a:outerShdw blurRad="38100" dist="38100" dir="2700000" algn="tl">
+                    <a:srgbClr val="000000">
+                      <a:alpha val="43137"/>
+                    </a:srgbClr>
+                  </a:outerShdw>
+                </a:effectLst>
+                <a:latin typeface="Proxima Nova Lt" panose="02000506030000020004" pitchFamily="50" charset="0"/>
+              </a:rPr>
+              <a:t>Binding</a:t>
+            </a:r>
+          </a:p>
+          <a:p>
+            <a:pPr marL="342900" indent="-342900">
+              <a:buFont typeface="Arial" panose="020B0604020202020204" pitchFamily="34" charset="0"/>
+              <a:buChar char="•"/>
+            </a:pPr>
+            <a:endParaRPr lang="en-US" sz="2400" dirty="0" smtClean="0">
+              <a:effectLst>
+                <a:outerShdw blurRad="38100" dist="38100" dir="2700000" algn="tl">
+                  <a:srgbClr val="000000">
+                    <a:alpha val="43137"/>
+                  </a:srgbClr>
+                </a:outerShdw>
+              </a:effectLst>
+              <a:latin typeface="Proxima Nova Lt" panose="02000506030000020004" pitchFamily="50" charset="0"/>
+            </a:endParaRPr>
+          </a:p>
+          <a:p>
+            <a:pPr marL="342900" indent="-342900">
+              <a:buFont typeface="Arial" panose="020B0604020202020204" pitchFamily="34" charset="0"/>
+              <a:buChar char="•"/>
+            </a:pPr>
+            <a:endParaRPr lang="en-US" sz="2400" dirty="0">
+              <a:effectLst>
+                <a:outerShdw blurRad="38100" dist="38100" dir="2700000" algn="tl">
+                  <a:srgbClr val="000000">
+                    <a:alpha val="43137"/>
+                  </a:srgbClr>
+                </a:outerShdw>
+              </a:effectLst>
+              <a:latin typeface="Proxima Nova Lt" panose="02000506030000020004" pitchFamily="50" charset="0"/>
+            </a:endParaRPr>
+          </a:p>
+        </p:txBody>
+      </p:sp>
+    </p:spTree>
+    <p:extLst>
+      <p:ext uri="{BB962C8B-B14F-4D97-AF65-F5344CB8AC3E}">
+        <p14:creationId xmlns:p14="http://schemas.microsoft.com/office/powerpoint/2010/main" val="3315562906"/>
+      </p:ext>
+    </p:extLst>
+  </p:cSld>
+  <p:clrMapOvr>
+    <a:masterClrMapping/>
+  </p:clrMapOvr>
+  <mc:AlternateContent xmlns:mc="http://schemas.openxmlformats.org/markup-compatibility/2006" xmlns:p14="http://schemas.microsoft.com/office/powerpoint/2010/main">
+    <mc:Choice Requires="p14">
+      <p:transition spd="med" p14:dur="700">
+        <p:fade/>
+      </p:transition>
+    </mc:Choice>
+    <mc:Fallback xmlns="">
+      <p:transition spd="med">
+        <p:fade/>
+      </p:transition>
+    </mc:Fallback>
+  </mc:AlternateContent>
+  <p:timing>
+    <p:tnLst>
+      <p:par>
+        <p:cTn id="1" dur="indefinite" restart="never" nodeType="tmRoot"/>
+      </p:par>
+    </p:tnLst>
+  </p:timing>
+</p:sld>
+</file>
+
+<file path=ppt/slides/slide11.xml><?xml version="1.0" encoding="utf-8"?>
+<p:sld xmlns:a="http://schemas.openxmlformats.org/drawingml/2006/main" xmlns:r="http://schemas.openxmlformats.org/officeDocument/2006/relationships" xmlns:p="http://schemas.openxmlformats.org/presentationml/2006/main">
+  <p:cSld>
+    <p:bg>
+      <p:bgPr>
+        <a:gradFill rotWithShape="1">
+          <a:gsLst>
+            <a:gs pos="34000">
+              <a:srgbClr val="C01B00"/>
+            </a:gs>
+            <a:gs pos="77000">
+              <a:srgbClr val="A40000"/>
+            </a:gs>
+          </a:gsLst>
+          <a:lin ang="6120000" scaled="1"/>
+        </a:gradFill>
+        <a:effectLst/>
+      </p:bgPr>
+    </p:bg>
+    <p:spTree>
+      <p:nvGrpSpPr>
+        <p:cNvPr id="1" name=""/>
+        <p:cNvGrpSpPr/>
+        <p:nvPr/>
+      </p:nvGrpSpPr>
+      <p:grpSpPr>
+        <a:xfrm>
+          <a:off x="0" y="0"/>
+          <a:ext cx="0" cy="0"/>
+          <a:chOff x="0" y="0"/>
+          <a:chExt cx="0" cy="0"/>
+        </a:xfrm>
+      </p:grpSpPr>
+      <p:sp>
+        <p:nvSpPr>
+          <p:cNvPr id="11" name="Title 1"/>
+          <p:cNvSpPr>
+            <a:spLocks noGrp="1"/>
+          </p:cNvSpPr>
+          <p:nvPr>
+            <p:ph type="ctrTitle"/>
+          </p:nvPr>
+        </p:nvSpPr>
+        <p:spPr>
+          <a:xfrm>
+            <a:off x="1773209" y="2258194"/>
+            <a:ext cx="6510711" cy="1801639"/>
+          </a:xfrm>
+          <a:ln>
+            <a:noFill/>
+          </a:ln>
+          <a:effectLst>
+            <a:outerShdw blurRad="57785" dist="33020" dir="3180000" algn="ctr">
+              <a:srgbClr val="000000">
+                <a:alpha val="30000"/>
+              </a:srgbClr>
+            </a:outerShdw>
+          </a:effectLst>
+          <a:scene3d>
+            <a:camera prst="orthographicFront">
+              <a:rot lat="0" lon="0" rev="0"/>
+            </a:camera>
+            <a:lightRig rig="brightRoom" dir="t">
+              <a:rot lat="0" lon="0" rev="600000"/>
+            </a:lightRig>
+          </a:scene3d>
+          <a:sp3d prstMaterial="metal">
+            <a:bevelT w="38100" h="57150" prst="angle"/>
+          </a:sp3d>
+        </p:spPr>
+        <p:txBody>
+          <a:bodyPr>
+            <a:normAutofit/>
+          </a:bodyPr>
+          <a:lstStyle/>
+          <a:p>
+            <a:r>
+              <a:rPr lang="en-US" sz="9600" cap="none" dirty="0" smtClean="0">
+                <a:latin typeface="Trajan Pro" panose="02020502050506020301" pitchFamily="18" charset="0"/>
+              </a:rPr>
+              <a:t>DEMO</a:t>
+            </a:r>
+            <a:endParaRPr lang="en-US" sz="9600" cap="none" dirty="0">
+              <a:latin typeface="Trajan Pro" panose="02020502050506020301" pitchFamily="18" charset="0"/>
+            </a:endParaRPr>
+          </a:p>
+        </p:txBody>
+      </p:sp>
+    </p:spTree>
+    <p:extLst>
+      <p:ext uri="{BB962C8B-B14F-4D97-AF65-F5344CB8AC3E}">
+        <p14:creationId xmlns:p14="http://schemas.microsoft.com/office/powerpoint/2010/main" val="2063902475"/>
+      </p:ext>
+    </p:extLst>
+  </p:cSld>
+  <p:clrMapOvr>
+    <a:masterClrMapping/>
+  </p:clrMapOvr>
+  <mc:AlternateContent xmlns:mc="http://schemas.openxmlformats.org/markup-compatibility/2006" xmlns:p14="http://schemas.microsoft.com/office/powerpoint/2010/main">
+    <mc:Choice Requires="p14">
+      <p:transition spd="med" p14:dur="700">
+        <p:fade/>
+      </p:transition>
+    </mc:Choice>
+    <mc:Fallback xmlns="">
+      <p:transition spd="med">
+        <p:fade/>
+      </p:transition>
+    </mc:Fallback>
+  </mc:AlternateContent>
+  <p:timing>
+    <p:tnLst>
+      <p:par>
+        <p:cTn id="1" dur="indefinite" restart="never" nodeType="tmRoot"/>
+      </p:par>
+    </p:tnLst>
+  </p:timing>
+</p:sld>
+</file>
+
+<file path=ppt/slides/slide12.xml><?xml version="1.0" encoding="utf-8"?>
+<p:sld xmlns:a="http://schemas.openxmlformats.org/drawingml/2006/main" xmlns:r="http://schemas.openxmlformats.org/officeDocument/2006/relationships" xmlns:p="http://schemas.openxmlformats.org/presentationml/2006/main">
+  <p:cSld>
+    <p:bg>
+      <p:bgPr>
+        <a:gradFill rotWithShape="1">
+          <a:gsLst>
+            <a:gs pos="34000">
+              <a:srgbClr val="C01B00"/>
+            </a:gs>
+            <a:gs pos="77000">
+              <a:srgbClr val="A40000"/>
+            </a:gs>
+          </a:gsLst>
+          <a:lin ang="6120000" scaled="1"/>
+        </a:gradFill>
+        <a:effectLst/>
+      </p:bgPr>
+    </p:bg>
+    <p:spTree>
+      <p:nvGrpSpPr>
+        <p:cNvPr id="1" name=""/>
+        <p:cNvGrpSpPr/>
+        <p:nvPr/>
+      </p:nvGrpSpPr>
+      <p:grpSpPr>
+        <a:xfrm>
+          <a:off x="0" y="0"/>
+          <a:ext cx="0" cy="0"/>
+          <a:chOff x="0" y="0"/>
+          <a:chExt cx="0" cy="0"/>
+        </a:xfrm>
+      </p:grpSpPr>
+      <p:sp>
+        <p:nvSpPr>
+          <p:cNvPr id="10" name="Title 1"/>
+          <p:cNvSpPr txBox="1">
+            <a:spLocks/>
+          </p:cNvSpPr>
+          <p:nvPr/>
+        </p:nvSpPr>
+        <p:spPr>
+          <a:xfrm>
+            <a:off x="432777" y="181233"/>
+            <a:ext cx="10769622" cy="1912125"/>
+          </a:xfrm>
+          <a:prstGeom prst="rect">
+            <a:avLst/>
+          </a:prstGeom>
+          <a:ln>
+            <a:noFill/>
+          </a:ln>
+          <a:effectLst>
+            <a:outerShdw blurRad="57785" dist="33020" dir="3180000" algn="ctr">
+              <a:srgbClr val="000000">
+                <a:alpha val="30000"/>
+              </a:srgbClr>
+            </a:outerShdw>
+          </a:effectLst>
+          <a:scene3d>
+            <a:camera prst="orthographicFront">
+              <a:rot lat="0" lon="0" rev="0"/>
+            </a:camera>
+            <a:lightRig rig="brightRoom" dir="t">
+              <a:rot lat="0" lon="0" rev="600000"/>
+            </a:lightRig>
+          </a:scene3d>
+          <a:sp3d prstMaterial="metal">
+            <a:bevelT w="38100" h="57150" prst="angle"/>
+          </a:sp3d>
+        </p:spPr>
+        <p:txBody>
+          <a:bodyPr vert="horz" lIns="91440" tIns="45720" rIns="91440" bIns="45720" rtlCol="0" anchor="b">
+            <a:noAutofit/>
+          </a:bodyPr>
+          <a:lstStyle>
+            <a:lvl1pPr algn="l" defTabSz="457200" rtl="0" eaLnBrk="1" latinLnBrk="0" hangingPunct="1">
+              <a:spcBef>
+                <a:spcPct val="0"/>
+              </a:spcBef>
+              <a:buNone/>
+              <a:defRPr sz="4800" kern="1200" cap="all">
+                <a:ln w="3175" cmpd="sng">
+                  <a:noFill/>
+                </a:ln>
+                <a:solidFill>
+                  <a:schemeClr val="tx1"/>
+                </a:solidFill>
+                <a:effectLst/>
+                <a:latin typeface="+mj-lt"/>
+                <a:ea typeface="+mj-ea"/>
+                <a:cs typeface="+mj-cs"/>
+              </a:defRPr>
+            </a:lvl1pPr>
+            <a:lvl2pPr eaLnBrk="1" hangingPunct="1">
+              <a:defRPr>
+                <a:solidFill>
+                  <a:schemeClr val="tx2"/>
+                </a:solidFill>
+              </a:defRPr>
+            </a:lvl2pPr>
+            <a:lvl3pPr eaLnBrk="1" hangingPunct="1">
+              <a:defRPr>
+                <a:solidFill>
+                  <a:schemeClr val="tx2"/>
+                </a:solidFill>
+              </a:defRPr>
+            </a:lvl3pPr>
+            <a:lvl4pPr eaLnBrk="1" hangingPunct="1">
+              <a:defRPr>
+                <a:solidFill>
+                  <a:schemeClr val="tx2"/>
+                </a:solidFill>
+              </a:defRPr>
+            </a:lvl4pPr>
+            <a:lvl5pPr eaLnBrk="1" hangingPunct="1">
+              <a:defRPr>
+                <a:solidFill>
+                  <a:schemeClr val="tx2"/>
+                </a:solidFill>
+              </a:defRPr>
+            </a:lvl5pPr>
+            <a:lvl6pPr eaLnBrk="1" hangingPunct="1">
+              <a:defRPr>
+                <a:solidFill>
+                  <a:schemeClr val="tx2"/>
+                </a:solidFill>
+              </a:defRPr>
+            </a:lvl6pPr>
+            <a:lvl7pPr eaLnBrk="1" hangingPunct="1">
+              <a:defRPr>
+                <a:solidFill>
+                  <a:schemeClr val="tx2"/>
+                </a:solidFill>
+              </a:defRPr>
+            </a:lvl7pPr>
+            <a:lvl8pPr eaLnBrk="1" hangingPunct="1">
+              <a:defRPr>
+                <a:solidFill>
+                  <a:schemeClr val="tx2"/>
+                </a:solidFill>
+              </a:defRPr>
+            </a:lvl8pPr>
+            <a:lvl9pPr eaLnBrk="1" hangingPunct="1">
+              <a:defRPr>
+                <a:solidFill>
+                  <a:schemeClr val="tx2"/>
+                </a:solidFill>
+              </a:defRPr>
+            </a:lvl9pPr>
+          </a:lstStyle>
+          <a:p>
+            <a:r>
+              <a:rPr lang="en-US" sz="5900" dirty="0" smtClean="0">
+                <a:solidFill>
+                  <a:prstClr val="white"/>
+                </a:solidFill>
+                <a:latin typeface="Trajan Pro" panose="02020602050506020301" pitchFamily="18" charset="0"/>
+              </a:rPr>
+              <a:t>Key Concepts</a:t>
+            </a:r>
+          </a:p>
+          <a:p>
+            <a:r>
+              <a:rPr lang="en-US" sz="5900" dirty="0" smtClean="0">
+                <a:solidFill>
+                  <a:prstClr val="white"/>
+                </a:solidFill>
+                <a:latin typeface="Trajan Pro" panose="02020602050506020301" pitchFamily="18" charset="0"/>
+              </a:rPr>
+              <a:t>Part 2</a:t>
+            </a:r>
+            <a:endParaRPr lang="en-US" sz="5900" dirty="0">
+              <a:solidFill>
+                <a:prstClr val="white"/>
+              </a:solidFill>
+              <a:latin typeface="Trajan Pro" panose="02020602050506020301" pitchFamily="18" charset="0"/>
+            </a:endParaRPr>
+          </a:p>
+        </p:txBody>
+      </p:sp>
+      <p:sp>
+        <p:nvSpPr>
+          <p:cNvPr id="8" name="Subtitle 2"/>
+          <p:cNvSpPr>
+            <a:spLocks noGrp="1"/>
+          </p:cNvSpPr>
+          <p:nvPr>
+            <p:ph type="subTitle" idx="1"/>
+          </p:nvPr>
+        </p:nvSpPr>
+        <p:spPr>
+          <a:xfrm>
+            <a:off x="1080720" y="2615980"/>
+            <a:ext cx="7587532" cy="3637489"/>
+          </a:xfrm>
+        </p:spPr>
+        <p:txBody>
+          <a:bodyPr>
+            <a:normAutofit/>
+          </a:bodyPr>
+          <a:lstStyle/>
+          <a:p>
+            <a:pPr marL="457200" indent="-457200">
+              <a:buFont typeface="Arial" panose="020B0604020202020204" pitchFamily="34" charset="0"/>
+              <a:buChar char="•"/>
+            </a:pPr>
+            <a:r>
+              <a:rPr lang="en-US" sz="3200" dirty="0" smtClean="0">
+                <a:effectLst>
+                  <a:outerShdw blurRad="38100" dist="38100" dir="2700000" algn="tl">
+                    <a:srgbClr val="000000">
+                      <a:alpha val="43137"/>
+                    </a:srgbClr>
+                  </a:outerShdw>
+                </a:effectLst>
+                <a:latin typeface="Proxima Nova Lt" panose="02000506030000020004" pitchFamily="50" charset="0"/>
+              </a:rPr>
+              <a:t>Lifecycle</a:t>
+            </a:r>
+          </a:p>
+          <a:p>
+            <a:pPr marL="457200" indent="-457200">
+              <a:buFont typeface="Arial" panose="020B0604020202020204" pitchFamily="34" charset="0"/>
+              <a:buChar char="•"/>
+            </a:pPr>
+            <a:r>
+              <a:rPr lang="en-US" sz="3200" dirty="0" smtClean="0">
+                <a:effectLst>
+                  <a:outerShdw blurRad="38100" dist="38100" dir="2700000" algn="tl">
+                    <a:srgbClr val="000000">
+                      <a:alpha val="43137"/>
+                    </a:srgbClr>
+                  </a:outerShdw>
+                </a:effectLst>
+                <a:latin typeface="Proxima Nova Lt" panose="02000506030000020004" pitchFamily="50" charset="0"/>
+              </a:rPr>
+              <a:t>Promises</a:t>
+            </a:r>
+          </a:p>
+          <a:p>
+            <a:pPr marL="457200" indent="-457200">
+              <a:buFont typeface="Arial" panose="020B0604020202020204" pitchFamily="34" charset="0"/>
+              <a:buChar char="•"/>
+            </a:pPr>
+            <a:r>
+              <a:rPr lang="en-US" sz="3200" dirty="0" smtClean="0">
+                <a:effectLst>
+                  <a:outerShdw blurRad="38100" dist="38100" dir="2700000" algn="tl">
+                    <a:srgbClr val="000000">
+                      <a:alpha val="43137"/>
+                    </a:srgbClr>
+                  </a:outerShdw>
+                </a:effectLst>
+                <a:latin typeface="Proxima Nova Lt" panose="02000506030000020004" pitchFamily="50" charset="0"/>
+              </a:rPr>
+              <a:t>Plugins</a:t>
+            </a:r>
+          </a:p>
+          <a:p>
+            <a:pPr marL="457200" indent="-457200">
+              <a:buFont typeface="Arial" panose="020B0604020202020204" pitchFamily="34" charset="0"/>
+              <a:buChar char="•"/>
+            </a:pPr>
+            <a:r>
+              <a:rPr lang="en-US" sz="3200" dirty="0" smtClean="0">
+                <a:effectLst>
+                  <a:outerShdw blurRad="38100" dist="38100" dir="2700000" algn="tl">
+                    <a:srgbClr val="000000">
+                      <a:alpha val="43137"/>
+                    </a:srgbClr>
+                  </a:outerShdw>
+                </a:effectLst>
+                <a:latin typeface="Proxima Nova Lt" panose="02000506030000020004" pitchFamily="50" charset="0"/>
+              </a:rPr>
+              <a:t>Everything else is just sugar…</a:t>
+            </a:r>
+          </a:p>
+          <a:p>
+            <a:pPr marL="457200" indent="-457200">
+              <a:buFont typeface="Arial" panose="020B0604020202020204" pitchFamily="34" charset="0"/>
+              <a:buChar char="•"/>
+            </a:pPr>
+            <a:endParaRPr lang="en-US" sz="3200" dirty="0" smtClean="0">
+              <a:effectLst>
+                <a:outerShdw blurRad="38100" dist="38100" dir="2700000" algn="tl">
+                  <a:srgbClr val="000000">
+                    <a:alpha val="43137"/>
+                  </a:srgbClr>
+                </a:outerShdw>
+              </a:effectLst>
+              <a:latin typeface="Proxima Nova Lt" panose="02000506030000020004" pitchFamily="50" charset="0"/>
+            </a:endParaRPr>
+          </a:p>
+          <a:p>
+            <a:pPr marL="342900" indent="-342900">
+              <a:buFont typeface="Arial" panose="020B0604020202020204" pitchFamily="34" charset="0"/>
+              <a:buChar char="•"/>
+            </a:pPr>
+            <a:endParaRPr lang="en-US" sz="2400" dirty="0" smtClean="0">
+              <a:effectLst>
+                <a:outerShdw blurRad="38100" dist="38100" dir="2700000" algn="tl">
+                  <a:srgbClr val="000000">
+                    <a:alpha val="43137"/>
+                  </a:srgbClr>
+                </a:outerShdw>
+              </a:effectLst>
+              <a:latin typeface="Proxima Nova Lt" panose="02000506030000020004" pitchFamily="50" charset="0"/>
+            </a:endParaRPr>
+          </a:p>
+          <a:p>
+            <a:pPr marL="342900" indent="-342900">
+              <a:buFont typeface="Arial" panose="020B0604020202020204" pitchFamily="34" charset="0"/>
+              <a:buChar char="•"/>
+            </a:pPr>
+            <a:endParaRPr lang="en-US" sz="2400" dirty="0">
+              <a:effectLst>
+                <a:outerShdw blurRad="38100" dist="38100" dir="2700000" algn="tl">
+                  <a:srgbClr val="000000">
+                    <a:alpha val="43137"/>
+                  </a:srgbClr>
+                </a:outerShdw>
+              </a:effectLst>
+              <a:latin typeface="Proxima Nova Lt" panose="02000506030000020004" pitchFamily="50" charset="0"/>
+            </a:endParaRPr>
+          </a:p>
+        </p:txBody>
+      </p:sp>
+    </p:spTree>
+    <p:extLst>
+      <p:ext uri="{BB962C8B-B14F-4D97-AF65-F5344CB8AC3E}">
+        <p14:creationId xmlns:p14="http://schemas.microsoft.com/office/powerpoint/2010/main" val="2196335328"/>
+      </p:ext>
+    </p:extLst>
+  </p:cSld>
+  <p:clrMapOvr>
+    <a:masterClrMapping/>
+  </p:clrMapOvr>
+  <mc:AlternateContent xmlns:mc="http://schemas.openxmlformats.org/markup-compatibility/2006" xmlns:p14="http://schemas.microsoft.com/office/powerpoint/2010/main">
+    <mc:Choice Requires="p14">
+      <p:transition spd="med" p14:dur="700">
+        <p:fade/>
+      </p:transition>
+    </mc:Choice>
+    <mc:Fallback xmlns="">
+      <p:transition spd="med">
+        <p:fade/>
+      </p:transition>
+    </mc:Fallback>
+  </mc:AlternateContent>
+  <p:timing>
+    <p:tnLst>
+      <p:par>
+        <p:cTn id="1" dur="indefinite" restart="never" nodeType="tmRoot"/>
+      </p:par>
+    </p:tnLst>
+  </p:timing>
+</p:sld>
+</file>
+
+<file path=ppt/slides/slide13.xml><?xml version="1.0" encoding="utf-8"?>
+<p:sld xmlns:a="http://schemas.openxmlformats.org/drawingml/2006/main" xmlns:r="http://schemas.openxmlformats.org/officeDocument/2006/relationships" xmlns:p="http://schemas.openxmlformats.org/presentationml/2006/main">
+  <p:cSld>
+    <p:bg>
+      <p:bgPr>
+        <a:gradFill rotWithShape="1">
+          <a:gsLst>
+            <a:gs pos="34000">
+              <a:srgbClr val="C01B00"/>
+            </a:gs>
+            <a:gs pos="77000">
+              <a:srgbClr val="A40000"/>
+            </a:gs>
+          </a:gsLst>
+          <a:lin ang="6120000" scaled="1"/>
+        </a:gradFill>
+        <a:effectLst/>
+      </p:bgPr>
+    </p:bg>
+    <p:spTree>
+      <p:nvGrpSpPr>
+        <p:cNvPr id="1" name=""/>
+        <p:cNvGrpSpPr/>
+        <p:nvPr/>
+      </p:nvGrpSpPr>
+      <p:grpSpPr>
+        <a:xfrm>
+          <a:off x="0" y="0"/>
+          <a:ext cx="0" cy="0"/>
+          <a:chOff x="0" y="0"/>
+          <a:chExt cx="0" cy="0"/>
+        </a:xfrm>
+      </p:grpSpPr>
+      <p:sp>
+        <p:nvSpPr>
+          <p:cNvPr id="5" name="Title 1"/>
+          <p:cNvSpPr txBox="1">
+            <a:spLocks/>
+          </p:cNvSpPr>
+          <p:nvPr/>
+        </p:nvSpPr>
+        <p:spPr>
+          <a:xfrm>
+            <a:off x="465728" y="224553"/>
+            <a:ext cx="10769622" cy="1094449"/>
+          </a:xfrm>
+          <a:prstGeom prst="rect">
+            <a:avLst/>
+          </a:prstGeom>
+          <a:ln>
+            <a:noFill/>
+          </a:ln>
+          <a:effectLst>
+            <a:outerShdw blurRad="57785" dist="33020" dir="3180000" algn="ctr">
+              <a:srgbClr val="000000">
+                <a:alpha val="30000"/>
+              </a:srgbClr>
+            </a:outerShdw>
+          </a:effectLst>
+          <a:scene3d>
+            <a:camera prst="orthographicFront">
+              <a:rot lat="0" lon="0" rev="0"/>
+            </a:camera>
+            <a:lightRig rig="brightRoom" dir="t">
+              <a:rot lat="0" lon="0" rev="600000"/>
+            </a:lightRig>
+          </a:scene3d>
+          <a:sp3d prstMaterial="metal">
+            <a:bevelT w="38100" h="57150" prst="angle"/>
+          </a:sp3d>
+        </p:spPr>
+        <p:txBody>
+          <a:bodyPr vert="horz" lIns="91440" tIns="45720" rIns="91440" bIns="45720" rtlCol="0" anchor="b">
+            <a:normAutofit fontScale="97500"/>
+          </a:bodyPr>
+          <a:lstStyle>
+            <a:lvl1pPr algn="l" defTabSz="457200" rtl="0" eaLnBrk="1" latinLnBrk="0" hangingPunct="1">
+              <a:spcBef>
+                <a:spcPct val="0"/>
+              </a:spcBef>
+              <a:buNone/>
+              <a:defRPr sz="4800" kern="1200" cap="all">
+                <a:ln w="3175" cmpd="sng">
+                  <a:noFill/>
+                </a:ln>
+                <a:solidFill>
+                  <a:schemeClr val="tx1"/>
+                </a:solidFill>
+                <a:effectLst/>
+                <a:latin typeface="+mj-lt"/>
+                <a:ea typeface="+mj-ea"/>
+                <a:cs typeface="+mj-cs"/>
+              </a:defRPr>
+            </a:lvl1pPr>
+            <a:lvl2pPr eaLnBrk="1" hangingPunct="1">
+              <a:defRPr>
+                <a:solidFill>
+                  <a:schemeClr val="tx2"/>
+                </a:solidFill>
+              </a:defRPr>
+            </a:lvl2pPr>
+            <a:lvl3pPr eaLnBrk="1" hangingPunct="1">
+              <a:defRPr>
+                <a:solidFill>
+                  <a:schemeClr val="tx2"/>
+                </a:solidFill>
+              </a:defRPr>
+            </a:lvl3pPr>
+            <a:lvl4pPr eaLnBrk="1" hangingPunct="1">
+              <a:defRPr>
+                <a:solidFill>
+                  <a:schemeClr val="tx2"/>
+                </a:solidFill>
+              </a:defRPr>
+            </a:lvl4pPr>
+            <a:lvl5pPr eaLnBrk="1" hangingPunct="1">
+              <a:defRPr>
+                <a:solidFill>
+                  <a:schemeClr val="tx2"/>
+                </a:solidFill>
+              </a:defRPr>
+            </a:lvl5pPr>
+            <a:lvl6pPr eaLnBrk="1" hangingPunct="1">
+              <a:defRPr>
+                <a:solidFill>
+                  <a:schemeClr val="tx2"/>
+                </a:solidFill>
+              </a:defRPr>
+            </a:lvl6pPr>
+            <a:lvl7pPr eaLnBrk="1" hangingPunct="1">
+              <a:defRPr>
+                <a:solidFill>
+                  <a:schemeClr val="tx2"/>
+                </a:solidFill>
+              </a:defRPr>
+            </a:lvl7pPr>
+            <a:lvl8pPr eaLnBrk="1" hangingPunct="1">
+              <a:defRPr>
+                <a:solidFill>
+                  <a:schemeClr val="tx2"/>
+                </a:solidFill>
+              </a:defRPr>
+            </a:lvl8pPr>
+            <a:lvl9pPr eaLnBrk="1" hangingPunct="1">
+              <a:defRPr>
+                <a:solidFill>
+                  <a:schemeClr val="tx2"/>
+                </a:solidFill>
+              </a:defRPr>
+            </a:lvl9pPr>
+          </a:lstStyle>
+          <a:p>
+            <a:r>
+              <a:rPr lang="en-US" sz="6600" dirty="0" smtClean="0">
+                <a:solidFill>
+                  <a:prstClr val="white"/>
+                </a:solidFill>
+                <a:latin typeface="Trajan Pro" panose="02020602050506020301" pitchFamily="18" charset="0"/>
+              </a:rPr>
+              <a:t>Lifecycle</a:t>
+            </a:r>
+            <a:endParaRPr lang="en-US" sz="6600" dirty="0">
+              <a:solidFill>
+                <a:prstClr val="white"/>
+              </a:solidFill>
+              <a:latin typeface="Trajan Pro" panose="02020602050506020301" pitchFamily="18" charset="0"/>
+            </a:endParaRPr>
+          </a:p>
+        </p:txBody>
+      </p:sp>
+      <p:graphicFrame>
+        <p:nvGraphicFramePr>
+          <p:cNvPr id="6" name="Diagram 5"/>
+          <p:cNvGraphicFramePr/>
+          <p:nvPr>
+            <p:extLst>
+              <p:ext uri="{D42A27DB-BD31-4B8C-83A1-F6EECF244321}">
+                <p14:modId xmlns:p14="http://schemas.microsoft.com/office/powerpoint/2010/main" val="1946191482"/>
+              </p:ext>
+            </p:extLst>
+          </p:nvPr>
+        </p:nvGraphicFramePr>
+        <p:xfrm>
+          <a:off x="1223617" y="1827690"/>
+          <a:ext cx="7714443" cy="4227120"/>
+        </p:xfrm>
+        <a:graphic>
+          <a:graphicData uri="http://schemas.openxmlformats.org/drawingml/2006/diagram">
+            <dgm:relIds xmlns:dgm="http://schemas.openxmlformats.org/drawingml/2006/diagram" xmlns:r="http://schemas.openxmlformats.org/officeDocument/2006/relationships" r:dm="rId2" r:lo="rId3" r:qs="rId4" r:cs="rId5"/>
+          </a:graphicData>
+        </a:graphic>
+      </p:graphicFrame>
+    </p:spTree>
+    <p:extLst>
+      <p:ext uri="{BB962C8B-B14F-4D97-AF65-F5344CB8AC3E}">
+        <p14:creationId xmlns:p14="http://schemas.microsoft.com/office/powerpoint/2010/main" val="2122076132"/>
+      </p:ext>
+    </p:extLst>
+  </p:cSld>
+  <p:clrMapOvr>
+    <a:masterClrMapping/>
+  </p:clrMapOvr>
+  <mc:AlternateContent xmlns:mc="http://schemas.openxmlformats.org/markup-compatibility/2006" xmlns:p14="http://schemas.microsoft.com/office/powerpoint/2010/main">
+    <mc:Choice Requires="p14">
+      <p:transition spd="med" p14:dur="700">
+        <p:fade/>
+      </p:transition>
+    </mc:Choice>
+    <mc:Fallback xmlns="">
+      <p:transition spd="med">
+        <p:fade/>
+      </p:transition>
+    </mc:Fallback>
+  </mc:AlternateContent>
+  <p:timing>
+    <p:tnLst>
+      <p:par>
+        <p:cTn id="1" dur="indefinite" restart="never" nodeType="tmRoot"/>
+      </p:par>
+    </p:tnLst>
+  </p:timing>
+</p:sld>
+</file>
+
+<file path=ppt/slides/slide14.xml><?xml version="1.0" encoding="utf-8"?>
+<p:sld xmlns:a="http://schemas.openxmlformats.org/drawingml/2006/main" xmlns:r="http://schemas.openxmlformats.org/officeDocument/2006/relationships" xmlns:p="http://schemas.openxmlformats.org/presentationml/2006/main">
+  <p:cSld>
+    <p:bg>
+      <p:bgPr>
+        <a:gradFill rotWithShape="1">
+          <a:gsLst>
+            <a:gs pos="34000">
+              <a:srgbClr val="C01B00"/>
+            </a:gs>
+            <a:gs pos="77000">
+              <a:srgbClr val="A40000"/>
+            </a:gs>
+          </a:gsLst>
+          <a:lin ang="6120000" scaled="1"/>
+        </a:gradFill>
+        <a:effectLst/>
+      </p:bgPr>
+    </p:bg>
+    <p:spTree>
+      <p:nvGrpSpPr>
+        <p:cNvPr id="1" name=""/>
+        <p:cNvGrpSpPr/>
+        <p:nvPr/>
+      </p:nvGrpSpPr>
+      <p:grpSpPr>
+        <a:xfrm>
+          <a:off x="0" y="0"/>
+          <a:ext cx="0" cy="0"/>
+          <a:chOff x="0" y="0"/>
+          <a:chExt cx="0" cy="0"/>
+        </a:xfrm>
+      </p:grpSpPr>
+      <p:sp>
+        <p:nvSpPr>
+          <p:cNvPr id="11" name="Title 1"/>
+          <p:cNvSpPr>
+            <a:spLocks noGrp="1"/>
+          </p:cNvSpPr>
+          <p:nvPr>
+            <p:ph type="ctrTitle"/>
+          </p:nvPr>
+        </p:nvSpPr>
+        <p:spPr>
+          <a:xfrm>
+            <a:off x="1773209" y="2258194"/>
+            <a:ext cx="6510711" cy="1801639"/>
+          </a:xfrm>
+          <a:ln>
+            <a:noFill/>
+          </a:ln>
+          <a:effectLst>
+            <a:outerShdw blurRad="57785" dist="33020" dir="3180000" algn="ctr">
+              <a:srgbClr val="000000">
+                <a:alpha val="30000"/>
+              </a:srgbClr>
+            </a:outerShdw>
+          </a:effectLst>
+          <a:scene3d>
+            <a:camera prst="orthographicFront">
+              <a:rot lat="0" lon="0" rev="0"/>
+            </a:camera>
+            <a:lightRig rig="brightRoom" dir="t">
+              <a:rot lat="0" lon="0" rev="600000"/>
+            </a:lightRig>
+          </a:scene3d>
+          <a:sp3d prstMaterial="metal">
+            <a:bevelT w="38100" h="57150" prst="angle"/>
+          </a:sp3d>
+        </p:spPr>
+        <p:txBody>
+          <a:bodyPr>
+            <a:normAutofit/>
+          </a:bodyPr>
+          <a:lstStyle/>
+          <a:p>
+            <a:r>
+              <a:rPr lang="en-US" sz="9600" cap="none" dirty="0" smtClean="0">
+                <a:latin typeface="Trajan Pro" panose="02020502050506020301" pitchFamily="18" charset="0"/>
+              </a:rPr>
+              <a:t>DEMO</a:t>
+            </a:r>
+            <a:endParaRPr lang="en-US" sz="9600" cap="none" dirty="0">
+              <a:latin typeface="Trajan Pro" panose="02020502050506020301" pitchFamily="18" charset="0"/>
+            </a:endParaRPr>
+          </a:p>
+        </p:txBody>
+      </p:sp>
+    </p:spTree>
+    <p:extLst>
+      <p:ext uri="{BB962C8B-B14F-4D97-AF65-F5344CB8AC3E}">
+        <p14:creationId xmlns:p14="http://schemas.microsoft.com/office/powerpoint/2010/main" val="2505477135"/>
+      </p:ext>
+    </p:extLst>
+  </p:cSld>
+  <p:clrMapOvr>
+    <a:masterClrMapping/>
+  </p:clrMapOvr>
+  <mc:AlternateContent xmlns:mc="http://schemas.openxmlformats.org/markup-compatibility/2006" xmlns:p14="http://schemas.microsoft.com/office/powerpoint/2010/main">
+    <mc:Choice Requires="p14">
+      <p:transition spd="med" p14:dur="700">
+        <p:fade/>
+      </p:transition>
+    </mc:Choice>
+    <mc:Fallback xmlns="">
+      <p:transition spd="med">
+        <p:fade/>
+      </p:transition>
+    </mc:Fallback>
+  </mc:AlternateContent>
+  <p:timing>
+    <p:tnLst>
+      <p:par>
+        <p:cTn id="1" dur="indefinite" restart="never" nodeType="tmRoot"/>
+      </p:par>
+    </p:tnLst>
+  </p:timing>
+</p:sld>
+</file>
+
+<file path=ppt/slides/slide15.xml><?xml version="1.0" encoding="utf-8"?>
+<p:sld xmlns:a="http://schemas.openxmlformats.org/drawingml/2006/main" xmlns:r="http://schemas.openxmlformats.org/officeDocument/2006/relationships" xmlns:p="http://schemas.openxmlformats.org/presentationml/2006/main">
+  <p:cSld>
+    <p:bg>
+      <p:bgPr>
+        <a:gradFill rotWithShape="1">
+          <a:gsLst>
+            <a:gs pos="34000">
+              <a:srgbClr val="C01B00"/>
+            </a:gs>
+            <a:gs pos="77000">
+              <a:srgbClr val="A40000"/>
+            </a:gs>
+          </a:gsLst>
+          <a:lin ang="6120000" scaled="1"/>
+        </a:gradFill>
+        <a:effectLst/>
+      </p:bgPr>
+    </p:bg>
+    <p:spTree>
+      <p:nvGrpSpPr>
+        <p:cNvPr id="1" name=""/>
+        <p:cNvGrpSpPr/>
+        <p:nvPr/>
+      </p:nvGrpSpPr>
+      <p:grpSpPr>
+        <a:xfrm>
+          <a:off x="0" y="0"/>
+          <a:ext cx="0" cy="0"/>
+          <a:chOff x="0" y="0"/>
+          <a:chExt cx="0" cy="0"/>
+        </a:xfrm>
+      </p:grpSpPr>
+      <p:sp>
+        <p:nvSpPr>
           <p:cNvPr id="9" name="Subtitle 2"/>
           <p:cNvSpPr>
             <a:spLocks noGrp="1"/>
@@ -10358,7 +11472,7 @@
 </p:sld>
 </file>
 
-<file path=ppt/slides/slide11.xml><?xml version="1.0" encoding="utf-8"?>
+<file path=ppt/slides/slide16.xml><?xml version="1.0" encoding="utf-8"?>
 <p:sld xmlns:a="http://schemas.openxmlformats.org/drawingml/2006/main" xmlns:r="http://schemas.openxmlformats.org/officeDocument/2006/relationships" xmlns:p="http://schemas.openxmlformats.org/presentationml/2006/main">
   <p:cSld>
     <p:bg>
@@ -10616,20 +11730,7 @@
                 </a:effectLst>
                 <a:latin typeface="Proxima Nova Lt" panose="02000506030000020004" pitchFamily="50" charset="0"/>
               </a:rPr>
-              <a:t>Where To Get </a:t>
-            </a:r>
-            <a:r>
-              <a:rPr lang="en-US" sz="3200" dirty="0" smtClean="0">
-                <a:effectLst>
-                  <a:outerShdw blurRad="38100" dist="38100" dir="2700000" algn="tl">
-                    <a:srgbClr val="000000">
-                      <a:alpha val="43137"/>
-                    </a:srgbClr>
-                  </a:outerShdw>
-                </a:effectLst>
-                <a:latin typeface="Proxima Nova Lt" panose="02000506030000020004" pitchFamily="50" charset="0"/>
-              </a:rPr>
-              <a:t>It</a:t>
+              <a:t>Where To Get It</a:t>
             </a:r>
           </a:p>
           <a:p>
@@ -10648,8 +11749,14 @@
                 </a:effectLst>
                 <a:latin typeface="Proxima Nova Lt" panose="02000506030000020004" pitchFamily="50" charset="0"/>
               </a:rPr>
-              <a:t>Key </a:t>
+              <a:t>The 3 Pillars</a:t>
             </a:r>
+          </a:p>
+          <a:p>
+            <a:pPr marL="457200" indent="-457200">
+              <a:buFont typeface="Arial" panose="020B0604020202020204" pitchFamily="34" charset="0"/>
+              <a:buChar char="•"/>
+            </a:pPr>
             <a:r>
               <a:rPr lang="en-US" sz="3200" dirty="0" smtClean="0">
                 <a:effectLst>
@@ -10661,31 +11768,8 @@
                 </a:effectLst>
                 <a:latin typeface="Proxima Nova Lt" panose="02000506030000020004" pitchFamily="50" charset="0"/>
               </a:rPr>
-              <a:t>Concepts &amp; </a:t>
+              <a:t>Key Concepts &amp; Demos</a:t>
             </a:r>
-            <a:r>
-              <a:rPr lang="en-US" sz="3200" dirty="0" smtClean="0">
-                <a:effectLst>
-                  <a:outerShdw blurRad="38100" dist="38100" dir="2700000" algn="tl">
-                    <a:srgbClr val="000000">
-                      <a:alpha val="43137"/>
-                    </a:srgbClr>
-                  </a:outerShdw>
-                </a:effectLst>
-                <a:latin typeface="Proxima Nova Lt" panose="02000506030000020004" pitchFamily="50" charset="0"/>
-              </a:rPr>
-              <a:t>Demos</a:t>
-            </a:r>
-            <a:endParaRPr lang="en-US" sz="3200" dirty="0" smtClean="0">
-              <a:effectLst>
-                <a:outerShdw blurRad="38100" dist="38100" dir="2700000" algn="tl">
-                  <a:srgbClr val="000000">
-                    <a:alpha val="43137"/>
-                  </a:srgbClr>
-                </a:outerShdw>
-              </a:effectLst>
-              <a:latin typeface="Proxima Nova Lt" panose="02000506030000020004" pitchFamily="50" charset="0"/>
-            </a:endParaRPr>
           </a:p>
           <a:p>
             <a:pPr marL="457200" indent="-457200">
@@ -11461,7 +12545,7 @@
                 </a:effectLst>
                 <a:latin typeface="Proxima Nova Lt" panose="02000506030000020004" pitchFamily="50" charset="0"/>
               </a:rPr>
-              <a:t>Raw Downloads and VSIX</a:t>
+              <a:t>Raw Downloads and VSIX (Also in the VS Gallery)</a:t>
             </a:r>
           </a:p>
           <a:p>
@@ -11642,7 +12726,7 @@
         <p:spPr>
           <a:xfrm>
             <a:off x="432777" y="181233"/>
-            <a:ext cx="10769622" cy="1912125"/>
+            <a:ext cx="10769622" cy="955589"/>
           </a:xfrm>
           <a:prstGeom prst="rect">
             <a:avLst/>
@@ -11757,18 +12841,7 @@
                 </a:solidFill>
                 <a:latin typeface="Trajan Pro" panose="02020602050506020301" pitchFamily="18" charset="0"/>
               </a:rPr>
-              <a:t>Key Concepts</a:t>
-            </a:r>
-          </a:p>
-          <a:p>
-            <a:r>
-              <a:rPr lang="en-US" sz="5900" dirty="0" smtClean="0">
-                <a:solidFill>
-                  <a:prstClr val="white"/>
-                </a:solidFill>
-                <a:latin typeface="Trajan Pro" panose="02020602050506020301" pitchFamily="18" charset="0"/>
-              </a:rPr>
-              <a:t>Part 1</a:t>
+              <a:t>The 3 Pillars</a:t>
             </a:r>
             <a:endParaRPr lang="en-US" sz="5900" dirty="0">
               <a:solidFill>
@@ -11781,25 +12854,250 @@
       </p:sp>
       <p:sp>
         <p:nvSpPr>
-          <p:cNvPr id="8" name="Subtitle 2"/>
-          <p:cNvSpPr>
-            <a:spLocks noGrp="1"/>
+          <p:cNvPr id="5" name="Subtitle 2"/>
+          <p:cNvSpPr txBox="1">
+            <a:spLocks/>
           </p:cNvSpPr>
-          <p:nvPr>
-            <p:ph type="subTitle" idx="1"/>
-          </p:nvPr>
+          <p:nvPr/>
         </p:nvSpPr>
         <p:spPr>
           <a:xfrm>
             <a:off x="1080720" y="2615980"/>
             <a:ext cx="7587532" cy="3637489"/>
           </a:xfrm>
+          <a:prstGeom prst="rect">
+            <a:avLst/>
+          </a:prstGeom>
         </p:spPr>
         <p:txBody>
-          <a:bodyPr>
+          <a:bodyPr vert="horz" lIns="91440" tIns="45720" rIns="91440" bIns="45720" rtlCol="0" anchor="t">
             <a:normAutofit/>
           </a:bodyPr>
-          <a:lstStyle/>
+          <a:lstStyle>
+            <a:lvl1pPr marL="0" indent="0" algn="l" defTabSz="457200" rtl="0" eaLnBrk="1" latinLnBrk="0" hangingPunct="1">
+              <a:spcBef>
+                <a:spcPct val="20000"/>
+              </a:spcBef>
+              <a:spcAft>
+                <a:spcPts val="600"/>
+              </a:spcAft>
+              <a:buClr>
+                <a:schemeClr val="tx1"/>
+              </a:buClr>
+              <a:buSzPct val="80000"/>
+              <a:buFont typeface="Wingdings 3" panose="05040102010807070707" pitchFamily="18" charset="2"/>
+              <a:buNone/>
+              <a:defRPr sz="2100" kern="1200" cap="none">
+                <a:solidFill>
+                  <a:schemeClr val="tx1"/>
+                </a:solidFill>
+                <a:effectLst/>
+                <a:latin typeface="+mn-lt"/>
+                <a:ea typeface="+mn-ea"/>
+                <a:cs typeface="+mn-cs"/>
+              </a:defRPr>
+            </a:lvl1pPr>
+            <a:lvl2pPr marL="457200" indent="0" algn="ctr" defTabSz="457200" rtl="0" eaLnBrk="1" latinLnBrk="0" hangingPunct="1">
+              <a:spcBef>
+                <a:spcPct val="20000"/>
+              </a:spcBef>
+              <a:spcAft>
+                <a:spcPts val="600"/>
+              </a:spcAft>
+              <a:buClr>
+                <a:schemeClr val="tx1"/>
+              </a:buClr>
+              <a:buSzPct val="80000"/>
+              <a:buFont typeface="Wingdings 3" panose="05040102010807070707" pitchFamily="18" charset="2"/>
+              <a:buNone/>
+              <a:defRPr sz="1800" kern="1200" cap="none">
+                <a:solidFill>
+                  <a:schemeClr val="tx1">
+                    <a:tint val="75000"/>
+                  </a:schemeClr>
+                </a:solidFill>
+                <a:effectLst/>
+                <a:latin typeface="+mn-lt"/>
+                <a:ea typeface="+mn-ea"/>
+                <a:cs typeface="+mn-cs"/>
+              </a:defRPr>
+            </a:lvl2pPr>
+            <a:lvl3pPr marL="914400" indent="0" algn="ctr" defTabSz="457200" rtl="0" eaLnBrk="1" latinLnBrk="0" hangingPunct="1">
+              <a:spcBef>
+                <a:spcPct val="20000"/>
+              </a:spcBef>
+              <a:spcAft>
+                <a:spcPts val="600"/>
+              </a:spcAft>
+              <a:buClr>
+                <a:schemeClr val="tx1"/>
+              </a:buClr>
+              <a:buSzPct val="80000"/>
+              <a:buFont typeface="Wingdings 3" panose="05040102010807070707" pitchFamily="18" charset="2"/>
+              <a:buNone/>
+              <a:defRPr sz="1600" kern="1200" cap="none">
+                <a:solidFill>
+                  <a:schemeClr val="tx1">
+                    <a:tint val="75000"/>
+                  </a:schemeClr>
+                </a:solidFill>
+                <a:effectLst/>
+                <a:latin typeface="+mn-lt"/>
+                <a:ea typeface="+mn-ea"/>
+                <a:cs typeface="+mn-cs"/>
+              </a:defRPr>
+            </a:lvl3pPr>
+            <a:lvl4pPr marL="1371600" indent="0" algn="ctr" defTabSz="457200" rtl="0" eaLnBrk="1" latinLnBrk="0" hangingPunct="1">
+              <a:spcBef>
+                <a:spcPct val="20000"/>
+              </a:spcBef>
+              <a:spcAft>
+                <a:spcPts val="600"/>
+              </a:spcAft>
+              <a:buClr>
+                <a:schemeClr val="tx1"/>
+              </a:buClr>
+              <a:buSzPct val="80000"/>
+              <a:buFont typeface="Wingdings 3" panose="05040102010807070707" pitchFamily="18" charset="2"/>
+              <a:buNone/>
+              <a:defRPr sz="1400" kern="1200" cap="none">
+                <a:solidFill>
+                  <a:schemeClr val="tx1">
+                    <a:tint val="75000"/>
+                  </a:schemeClr>
+                </a:solidFill>
+                <a:effectLst/>
+                <a:latin typeface="+mn-lt"/>
+                <a:ea typeface="+mn-ea"/>
+                <a:cs typeface="+mn-cs"/>
+              </a:defRPr>
+            </a:lvl4pPr>
+            <a:lvl5pPr marL="1828800" indent="0" algn="ctr" defTabSz="457200" rtl="0" eaLnBrk="1" latinLnBrk="0" hangingPunct="1">
+              <a:spcBef>
+                <a:spcPct val="20000"/>
+              </a:spcBef>
+              <a:spcAft>
+                <a:spcPts val="600"/>
+              </a:spcAft>
+              <a:buClr>
+                <a:schemeClr val="tx1"/>
+              </a:buClr>
+              <a:buSzPct val="80000"/>
+              <a:buFont typeface="Wingdings 3" panose="05040102010807070707" pitchFamily="18" charset="2"/>
+              <a:buNone/>
+              <a:defRPr sz="1400" kern="1200" cap="none">
+                <a:solidFill>
+                  <a:schemeClr val="tx1">
+                    <a:tint val="75000"/>
+                  </a:schemeClr>
+                </a:solidFill>
+                <a:effectLst/>
+                <a:latin typeface="+mn-lt"/>
+                <a:ea typeface="+mn-ea"/>
+                <a:cs typeface="+mn-cs"/>
+              </a:defRPr>
+            </a:lvl5pPr>
+            <a:lvl6pPr marL="2286000" indent="0" algn="ctr" defTabSz="457200" rtl="0" eaLnBrk="1" latinLnBrk="0" hangingPunct="1">
+              <a:spcBef>
+                <a:spcPct val="20000"/>
+              </a:spcBef>
+              <a:spcAft>
+                <a:spcPts val="600"/>
+              </a:spcAft>
+              <a:buClr>
+                <a:schemeClr val="tx1"/>
+              </a:buClr>
+              <a:buSzPct val="80000"/>
+              <a:buFont typeface="Wingdings 3" panose="05040102010807070707" pitchFamily="18" charset="2"/>
+              <a:buNone/>
+              <a:defRPr sz="1400" kern="1200" cap="none">
+                <a:solidFill>
+                  <a:schemeClr val="tx1">
+                    <a:tint val="75000"/>
+                  </a:schemeClr>
+                </a:solidFill>
+                <a:effectLst/>
+                <a:latin typeface="+mn-lt"/>
+                <a:ea typeface="+mn-ea"/>
+                <a:cs typeface="+mn-cs"/>
+              </a:defRPr>
+            </a:lvl6pPr>
+            <a:lvl7pPr marL="2743200" indent="0" algn="ctr" defTabSz="457200" rtl="0" eaLnBrk="1" latinLnBrk="0" hangingPunct="1">
+              <a:spcBef>
+                <a:spcPct val="20000"/>
+              </a:spcBef>
+              <a:spcAft>
+                <a:spcPts val="600"/>
+              </a:spcAft>
+              <a:buClr>
+                <a:schemeClr val="tx1"/>
+              </a:buClr>
+              <a:buSzPct val="80000"/>
+              <a:buFont typeface="Wingdings 3" panose="05040102010807070707" pitchFamily="18" charset="2"/>
+              <a:buNone/>
+              <a:defRPr sz="1400" kern="1200" cap="none">
+                <a:solidFill>
+                  <a:schemeClr val="tx1">
+                    <a:tint val="75000"/>
+                  </a:schemeClr>
+                </a:solidFill>
+                <a:effectLst/>
+                <a:latin typeface="+mn-lt"/>
+                <a:ea typeface="+mn-ea"/>
+                <a:cs typeface="+mn-cs"/>
+              </a:defRPr>
+            </a:lvl7pPr>
+            <a:lvl8pPr marL="3200400" indent="0" algn="ctr" defTabSz="457200" rtl="0" eaLnBrk="1" latinLnBrk="0" hangingPunct="1">
+              <a:spcBef>
+                <a:spcPct val="20000"/>
+              </a:spcBef>
+              <a:spcAft>
+                <a:spcPts val="600"/>
+              </a:spcAft>
+              <a:buClr>
+                <a:schemeClr val="tx1"/>
+              </a:buClr>
+              <a:buSzPct val="80000"/>
+              <a:buFont typeface="Wingdings 3" panose="05040102010807070707" pitchFamily="18" charset="2"/>
+              <a:buNone/>
+              <a:defRPr sz="1400" kern="1200" cap="none">
+                <a:solidFill>
+                  <a:schemeClr val="tx1">
+                    <a:tint val="75000"/>
+                  </a:schemeClr>
+                </a:solidFill>
+                <a:effectLst/>
+                <a:latin typeface="+mn-lt"/>
+                <a:ea typeface="+mn-ea"/>
+                <a:cs typeface="+mn-cs"/>
+              </a:defRPr>
+            </a:lvl8pPr>
+            <a:lvl9pPr marL="3657600" indent="0" algn="ctr" defTabSz="457200" rtl="0" eaLnBrk="1" latinLnBrk="0" hangingPunct="1">
+              <a:spcBef>
+                <a:spcPct val="20000"/>
+              </a:spcBef>
+              <a:spcAft>
+                <a:spcPts val="600"/>
+              </a:spcAft>
+              <a:buClr>
+                <a:schemeClr val="tx1"/>
+              </a:buClr>
+              <a:buSzPct val="80000"/>
+              <a:buFont typeface="Wingdings 3" panose="05040102010807070707" pitchFamily="18" charset="2"/>
+              <a:buNone/>
+              <a:defRPr sz="1400" kern="1200" cap="none">
+                <a:solidFill>
+                  <a:schemeClr val="tx1">
+                    <a:tint val="75000"/>
+                  </a:schemeClr>
+                </a:solidFill>
+                <a:effectLst/>
+                <a:latin typeface="+mn-lt"/>
+                <a:ea typeface="+mn-ea"/>
+                <a:cs typeface="+mn-cs"/>
+              </a:defRPr>
+            </a:lvl9pPr>
+          </a:lstStyle>
           <a:p>
             <a:pPr marL="457200" indent="-457200">
               <a:buFont typeface="Arial" panose="020B0604020202020204" pitchFamily="34" charset="0"/>
@@ -11816,10 +13114,16 @@
                 </a:effectLst>
                 <a:latin typeface="Proxima Nova Lt" panose="02000506030000020004" pitchFamily="50" charset="0"/>
               </a:rPr>
-              <a:t>Solid </a:t>
+              <a:t>jQuery</a:t>
             </a:r>
+          </a:p>
+          <a:p>
+            <a:pPr marL="457200" indent="-457200">
+              <a:buFont typeface="Arial" panose="020B0604020202020204" pitchFamily="34" charset="0"/>
+              <a:buChar char="•"/>
+            </a:pPr>
             <a:r>
-              <a:rPr lang="en-US" sz="3200" dirty="0" smtClean="0">
+              <a:rPr lang="en-US" sz="3200" dirty="0" err="1" smtClean="0">
                 <a:effectLst>
                   <a:outerShdw blurRad="38100" dist="38100" dir="2700000" algn="tl">
                     <a:srgbClr val="000000">
@@ -11829,7 +13133,7 @@
                 </a:effectLst>
                 <a:latin typeface="Proxima Nova Lt" panose="02000506030000020004" pitchFamily="50" charset="0"/>
               </a:rPr>
-              <a:t>Foundation</a:t>
+              <a:t>RequireJS</a:t>
             </a:r>
             <a:endParaRPr lang="en-US" sz="3200" dirty="0" smtClean="0">
               <a:effectLst>
@@ -11858,104 +13162,8 @@
                 </a:effectLst>
                 <a:latin typeface="Proxima Nova Lt" panose="02000506030000020004" pitchFamily="50" charset="0"/>
               </a:rPr>
-              <a:t>Modularization</a:t>
+              <a:t>Knockout</a:t>
             </a:r>
-          </a:p>
-          <a:p>
-            <a:pPr marL="457200" indent="-457200">
-              <a:buFont typeface="Arial" panose="020B0604020202020204" pitchFamily="34" charset="0"/>
-              <a:buChar char="•"/>
-            </a:pPr>
-            <a:r>
-              <a:rPr lang="en-US" sz="3200" dirty="0" smtClean="0">
-                <a:effectLst>
-                  <a:outerShdw blurRad="38100" dist="38100" dir="2700000" algn="tl">
-                    <a:srgbClr val="000000">
-                      <a:alpha val="43137"/>
-                    </a:srgbClr>
-                  </a:outerShdw>
-                </a:effectLst>
-                <a:latin typeface="Proxima Nova Lt" panose="02000506030000020004" pitchFamily="50" charset="0"/>
-              </a:rPr>
-              <a:t>Composition</a:t>
-            </a:r>
-          </a:p>
-          <a:p>
-            <a:pPr marL="457200" indent="-457200">
-              <a:buFont typeface="Arial" panose="020B0604020202020204" pitchFamily="34" charset="0"/>
-              <a:buChar char="•"/>
-            </a:pPr>
-            <a:r>
-              <a:rPr lang="en-US" sz="3200" dirty="0" smtClean="0">
-                <a:effectLst>
-                  <a:outerShdw blurRad="38100" dist="38100" dir="2700000" algn="tl">
-                    <a:srgbClr val="000000">
-                      <a:alpha val="43137"/>
-                    </a:srgbClr>
-                  </a:outerShdw>
-                </a:effectLst>
-                <a:latin typeface="Proxima Nova Lt" panose="02000506030000020004" pitchFamily="50" charset="0"/>
-              </a:rPr>
-              <a:t>Binding</a:t>
-            </a:r>
-            <a:endParaRPr lang="en-US" sz="3200" dirty="0" smtClean="0">
-              <a:effectLst>
-                <a:outerShdw blurRad="38100" dist="38100" dir="2700000" algn="tl">
-                  <a:srgbClr val="000000">
-                    <a:alpha val="43137"/>
-                  </a:srgbClr>
-                </a:outerShdw>
-              </a:effectLst>
-              <a:latin typeface="Proxima Nova Lt" panose="02000506030000020004" pitchFamily="50" charset="0"/>
-            </a:endParaRPr>
-          </a:p>
-          <a:p>
-            <a:pPr marL="457200" indent="-457200">
-              <a:buFont typeface="Arial" panose="020B0604020202020204" pitchFamily="34" charset="0"/>
-              <a:buChar char="•"/>
-            </a:pPr>
-            <a:endParaRPr lang="en-US" sz="3200" dirty="0" smtClean="0">
-              <a:effectLst>
-                <a:outerShdw blurRad="38100" dist="38100" dir="2700000" algn="tl">
-                  <a:srgbClr val="000000">
-                    <a:alpha val="43137"/>
-                  </a:srgbClr>
-                </a:outerShdw>
-              </a:effectLst>
-              <a:latin typeface="Proxima Nova Lt" panose="02000506030000020004" pitchFamily="50" charset="0"/>
-            </a:endParaRPr>
-          </a:p>
-          <a:p>
-            <a:pPr marL="342900" indent="-342900">
-              <a:buFont typeface="Arial" panose="020B0604020202020204" pitchFamily="34" charset="0"/>
-              <a:buChar char="•"/>
-            </a:pPr>
-            <a:endParaRPr lang="en-US" sz="2400" dirty="0" smtClean="0">
-              <a:effectLst>
-                <a:outerShdw blurRad="38100" dist="38100" dir="2700000" algn="tl">
-                  <a:srgbClr val="000000">
-                    <a:alpha val="43137"/>
-                  </a:srgbClr>
-                </a:outerShdw>
-              </a:effectLst>
-              <a:latin typeface="Proxima Nova Lt" panose="02000506030000020004" pitchFamily="50" charset="0"/>
-            </a:endParaRPr>
-          </a:p>
-          <a:p>
-            <a:pPr marL="342900" indent="-342900">
-              <a:buFont typeface="Arial" panose="020B0604020202020204" pitchFamily="34" charset="0"/>
-              <a:buChar char="•"/>
-            </a:pPr>
-            <a:endParaRPr lang="en-US" sz="2400" dirty="0">
-              <a:effectLst>
-                <a:outerShdw blurRad="38100" dist="38100" dir="2700000" algn="tl">
-                  <a:srgbClr val="000000">
-                    <a:alpha val="43137"/>
-                  </a:srgbClr>
-                </a:outerShdw>
-              </a:effectLst>
-              <a:latin typeface="Proxima Nova Lt" panose="02000506030000020004" pitchFamily="50" charset="0"/>
-            </a:endParaRPr>
           </a:p>
         </p:txBody>
       </p:sp>
@@ -12026,19 +13234,20 @@
       </p:grpSpPr>
       <p:sp>
         <p:nvSpPr>
-          <p:cNvPr id="11" name="Title 1"/>
-          <p:cNvSpPr>
-            <a:spLocks noGrp="1"/>
+          <p:cNvPr id="10" name="Title 1"/>
+          <p:cNvSpPr txBox="1">
+            <a:spLocks/>
           </p:cNvSpPr>
-          <p:nvPr>
-            <p:ph type="ctrTitle"/>
-          </p:nvPr>
+          <p:nvPr/>
         </p:nvSpPr>
         <p:spPr>
           <a:xfrm>
-            <a:off x="1773209" y="2258194"/>
-            <a:ext cx="6510711" cy="1801639"/>
+            <a:off x="432777" y="181233"/>
+            <a:ext cx="10769622" cy="955589"/>
           </a:xfrm>
+          <a:prstGeom prst="rect">
+            <a:avLst/>
+          </a:prstGeom>
           <a:ln>
             <a:noFill/>
           </a:ln>
@@ -12062,40 +13271,161 @@
           </a:sp3d>
         </p:spPr>
         <p:txBody>
-          <a:bodyPr>
-            <a:normAutofit/>
+          <a:bodyPr vert="horz" lIns="91440" tIns="45720" rIns="91440" bIns="45720" rtlCol="0" anchor="b">
+            <a:noAutofit/>
           </a:bodyPr>
-          <a:lstStyle/>
+          <a:lstStyle>
+            <a:lvl1pPr algn="l" defTabSz="457200" rtl="0" eaLnBrk="1" latinLnBrk="0" hangingPunct="1">
+              <a:spcBef>
+                <a:spcPct val="0"/>
+              </a:spcBef>
+              <a:buNone/>
+              <a:defRPr sz="4800" kern="1200" cap="all">
+                <a:ln w="3175" cmpd="sng">
+                  <a:noFill/>
+                </a:ln>
+                <a:solidFill>
+                  <a:schemeClr val="tx1"/>
+                </a:solidFill>
+                <a:effectLst/>
+                <a:latin typeface="+mj-lt"/>
+                <a:ea typeface="+mj-ea"/>
+                <a:cs typeface="+mj-cs"/>
+              </a:defRPr>
+            </a:lvl1pPr>
+            <a:lvl2pPr eaLnBrk="1" hangingPunct="1">
+              <a:defRPr>
+                <a:solidFill>
+                  <a:schemeClr val="tx2"/>
+                </a:solidFill>
+              </a:defRPr>
+            </a:lvl2pPr>
+            <a:lvl3pPr eaLnBrk="1" hangingPunct="1">
+              <a:defRPr>
+                <a:solidFill>
+                  <a:schemeClr val="tx2"/>
+                </a:solidFill>
+              </a:defRPr>
+            </a:lvl3pPr>
+            <a:lvl4pPr eaLnBrk="1" hangingPunct="1">
+              <a:defRPr>
+                <a:solidFill>
+                  <a:schemeClr val="tx2"/>
+                </a:solidFill>
+              </a:defRPr>
+            </a:lvl4pPr>
+            <a:lvl5pPr eaLnBrk="1" hangingPunct="1">
+              <a:defRPr>
+                <a:solidFill>
+                  <a:schemeClr val="tx2"/>
+                </a:solidFill>
+              </a:defRPr>
+            </a:lvl5pPr>
+            <a:lvl6pPr eaLnBrk="1" hangingPunct="1">
+              <a:defRPr>
+                <a:solidFill>
+                  <a:schemeClr val="tx2"/>
+                </a:solidFill>
+              </a:defRPr>
+            </a:lvl6pPr>
+            <a:lvl7pPr eaLnBrk="1" hangingPunct="1">
+              <a:defRPr>
+                <a:solidFill>
+                  <a:schemeClr val="tx2"/>
+                </a:solidFill>
+              </a:defRPr>
+            </a:lvl7pPr>
+            <a:lvl8pPr eaLnBrk="1" hangingPunct="1">
+              <a:defRPr>
+                <a:solidFill>
+                  <a:schemeClr val="tx2"/>
+                </a:solidFill>
+              </a:defRPr>
+            </a:lvl8pPr>
+            <a:lvl9pPr eaLnBrk="1" hangingPunct="1">
+              <a:defRPr>
+                <a:solidFill>
+                  <a:schemeClr val="tx2"/>
+                </a:solidFill>
+              </a:defRPr>
+            </a:lvl9pPr>
+          </a:lstStyle>
           <a:p>
             <a:r>
-              <a:rPr lang="en-US" sz="9600" cap="none" dirty="0" smtClean="0">
-                <a:latin typeface="Trajan Pro" panose="02020502050506020301" pitchFamily="18" charset="0"/>
+              <a:rPr lang="en-US" sz="5900" dirty="0" smtClean="0">
+                <a:solidFill>
+                  <a:prstClr val="white"/>
+                </a:solidFill>
+                <a:latin typeface="Trajan Pro" panose="02020602050506020301" pitchFamily="18" charset="0"/>
               </a:rPr>
-              <a:t>DEMO</a:t>
+              <a:t>jQuery</a:t>
             </a:r>
-            <a:endParaRPr lang="en-US" sz="9600" cap="none" dirty="0">
-              <a:latin typeface="Trajan Pro" panose="02020502050506020301" pitchFamily="18" charset="0"/>
+            <a:endParaRPr lang="en-US" sz="5900" dirty="0">
+              <a:solidFill>
+                <a:prstClr val="white"/>
+              </a:solidFill>
+              <a:latin typeface="Trajan Pro" panose="02020602050506020301" pitchFamily="18" charset="0"/>
             </a:endParaRPr>
           </a:p>
         </p:txBody>
       </p:sp>
+      <p:pic>
+        <p:nvPicPr>
+          <p:cNvPr id="2" name="Picture 1"/>
+          <p:cNvPicPr>
+            <a:picLocks noChangeAspect="1"/>
+          </p:cNvPicPr>
+          <p:nvPr/>
+        </p:nvPicPr>
+        <p:blipFill>
+          <a:blip r:embed="rId2">
+            <a:extLst>
+              <a:ext uri="{28A0092B-C50C-407E-A947-70E740481C1C}">
+                <a14:useLocalDpi xmlns:a14="http://schemas.microsoft.com/office/drawing/2010/main" val="0"/>
+              </a:ext>
+            </a:extLst>
+          </a:blip>
+          <a:stretch>
+            <a:fillRect/>
+          </a:stretch>
+        </p:blipFill>
+        <p:spPr>
+          <a:xfrm>
+            <a:off x="1143999" y="1586310"/>
+            <a:ext cx="10058400" cy="4708364"/>
+          </a:xfrm>
+          <a:prstGeom prst="rect">
+            <a:avLst/>
+          </a:prstGeom>
+          <a:ln>
+            <a:noFill/>
+          </a:ln>
+          <a:effectLst>
+            <a:outerShdw blurRad="190500" algn="tl" rotWithShape="0">
+              <a:srgbClr val="000000">
+                <a:alpha val="70000"/>
+              </a:srgbClr>
+            </a:outerShdw>
+          </a:effectLst>
+        </p:spPr>
+      </p:pic>
     </p:spTree>
     <p:extLst>
       <p:ext uri="{BB962C8B-B14F-4D97-AF65-F5344CB8AC3E}">
-        <p14:creationId xmlns:p14="http://schemas.microsoft.com/office/powerpoint/2010/main" val="2063902475"/>
+        <p14:creationId xmlns:p14="http://schemas.microsoft.com/office/powerpoint/2010/main" val="1836421301"/>
       </p:ext>
     </p:extLst>
   </p:cSld>
   <p:clrMapOvr>
     <a:masterClrMapping/>
   </p:clrMapOvr>
-  <mc:AlternateContent xmlns:mc="http://schemas.openxmlformats.org/markup-compatibility/2006">
-    <mc:Choice xmlns:p14="http://schemas.microsoft.com/office/powerpoint/2010/main" Requires="p14">
+  <mc:AlternateContent xmlns:mc="http://schemas.openxmlformats.org/markup-compatibility/2006" xmlns:p14="http://schemas.microsoft.com/office/powerpoint/2010/main">
+    <mc:Choice Requires="p14">
       <p:transition spd="med" p14:dur="700">
         <p:fade/>
       </p:transition>
     </mc:Choice>
-    <mc:Fallback>
+    <mc:Fallback xmlns="">
       <p:transition spd="med">
         <p:fade/>
       </p:transition>
@@ -12155,7 +13485,7 @@
         <p:spPr>
           <a:xfrm>
             <a:off x="432777" y="181233"/>
-            <a:ext cx="10769622" cy="1912125"/>
+            <a:ext cx="10769622" cy="955589"/>
           </a:xfrm>
           <a:prstGeom prst="rect">
             <a:avLst/>
@@ -12264,24 +13594,13 @@
           </a:lstStyle>
           <a:p>
             <a:r>
-              <a:rPr lang="en-US" sz="5900" dirty="0" smtClean="0">
+              <a:rPr lang="en-US" sz="5900" dirty="0" err="1" smtClean="0">
                 <a:solidFill>
                   <a:prstClr val="white"/>
                 </a:solidFill>
                 <a:latin typeface="Trajan Pro" panose="02020602050506020301" pitchFamily="18" charset="0"/>
               </a:rPr>
-              <a:t>Key Concepts</a:t>
-            </a:r>
-          </a:p>
-          <a:p>
-            <a:r>
-              <a:rPr lang="en-US" sz="5900" dirty="0" smtClean="0">
-                <a:solidFill>
-                  <a:prstClr val="white"/>
-                </a:solidFill>
-                <a:latin typeface="Trajan Pro" panose="02020602050506020301" pitchFamily="18" charset="0"/>
-              </a:rPr>
-              <a:t>Part 2</a:t>
+              <a:t>RequireJS</a:t>
             </a:r>
             <a:endParaRPr lang="en-US" sz="5900" dirty="0">
               <a:solidFill>
@@ -12292,180 +13611,261 @@
           </a:p>
         </p:txBody>
       </p:sp>
+      <p:pic>
+        <p:nvPicPr>
+          <p:cNvPr id="2" name="Picture 1"/>
+          <p:cNvPicPr>
+            <a:picLocks noChangeAspect="1"/>
+          </p:cNvPicPr>
+          <p:nvPr/>
+        </p:nvPicPr>
+        <p:blipFill>
+          <a:blip r:embed="rId2">
+            <a:extLst>
+              <a:ext uri="{28A0092B-C50C-407E-A947-70E740481C1C}">
+                <a14:useLocalDpi xmlns:a14="http://schemas.microsoft.com/office/drawing/2010/main" val="0"/>
+              </a:ext>
+            </a:extLst>
+          </a:blip>
+          <a:stretch>
+            <a:fillRect/>
+          </a:stretch>
+        </p:blipFill>
+        <p:spPr>
+          <a:xfrm>
+            <a:off x="1143999" y="2513533"/>
+            <a:ext cx="10058400" cy="2260793"/>
+          </a:xfrm>
+          <a:prstGeom prst="rect">
+            <a:avLst/>
+          </a:prstGeom>
+          <a:ln>
+            <a:noFill/>
+          </a:ln>
+          <a:effectLst>
+            <a:outerShdw blurRad="190500" algn="tl" rotWithShape="0">
+              <a:srgbClr val="000000">
+                <a:alpha val="70000"/>
+              </a:srgbClr>
+            </a:outerShdw>
+          </a:effectLst>
+        </p:spPr>
+      </p:pic>
       <p:sp>
         <p:nvSpPr>
-          <p:cNvPr id="8" name="Subtitle 2"/>
-          <p:cNvSpPr>
-            <a:spLocks noGrp="1"/>
-          </p:cNvSpPr>
-          <p:nvPr>
-            <p:ph type="subTitle" idx="1"/>
-          </p:nvPr>
+          <p:cNvPr id="7" name="TextBox 6"/>
+          <p:cNvSpPr txBox="1"/>
+          <p:nvPr/>
         </p:nvSpPr>
         <p:spPr>
           <a:xfrm>
-            <a:off x="1080720" y="2615980"/>
-            <a:ext cx="7587532" cy="3637489"/>
+            <a:off x="32952" y="3293247"/>
+            <a:ext cx="2479591" cy="707886"/>
           </a:xfrm>
+          <a:prstGeom prst="rect">
+            <a:avLst/>
+          </a:prstGeom>
+          <a:noFill/>
         </p:spPr>
         <p:txBody>
-          <a:bodyPr>
-            <a:normAutofit/>
+          <a:bodyPr wrap="square" rtlCol="0">
+            <a:spAutoFit/>
           </a:bodyPr>
           <a:lstStyle/>
           <a:p>
-            <a:pPr marL="457200" indent="-457200">
-              <a:buFont typeface="Arial" panose="020B0604020202020204" pitchFamily="34" charset="0"/>
-              <a:buChar char="•"/>
-            </a:pPr>
             <a:r>
-              <a:rPr lang="en-US" sz="3200" dirty="0" smtClean="0">
+              <a:rPr lang="en-US" sz="2000" dirty="0" smtClean="0">
+                <a:ln w="0"/>
                 <a:effectLst>
-                  <a:outerShdw blurRad="38100" dist="38100" dir="2700000" algn="tl">
-                    <a:srgbClr val="000000">
-                      <a:alpha val="43137"/>
-                    </a:srgbClr>
+                  <a:outerShdw blurRad="38100" dist="19050" dir="2700000" algn="tl" rotWithShape="0">
+                    <a:schemeClr val="dk1">
+                      <a:alpha val="40000"/>
+                    </a:schemeClr>
                   </a:outerShdw>
                 </a:effectLst>
-                <a:latin typeface="Proxima Nova Lt" panose="02000506030000020004" pitchFamily="50" charset="0"/>
+                <a:latin typeface="Trajan Pro" panose="02020502050506020301" pitchFamily="18" charset="0"/>
               </a:rPr>
-              <a:t>Lifecycle</a:t>
+              <a:t>AMD</a:t>
             </a:r>
           </a:p>
           <a:p>
-            <a:pPr marL="457200" indent="-457200">
-              <a:buFont typeface="Arial" panose="020B0604020202020204" pitchFamily="34" charset="0"/>
-              <a:buChar char="•"/>
-            </a:pPr>
             <a:r>
-              <a:rPr lang="en-US" sz="3200" dirty="0" smtClean="0">
+              <a:rPr lang="en-US" sz="2000" dirty="0" smtClean="0">
+                <a:ln w="0"/>
                 <a:effectLst>
-                  <a:outerShdw blurRad="38100" dist="38100" dir="2700000" algn="tl">
-                    <a:srgbClr val="000000">
-                      <a:alpha val="43137"/>
-                    </a:srgbClr>
+                  <a:outerShdw blurRad="38100" dist="19050" dir="2700000" algn="tl" rotWithShape="0">
+                    <a:schemeClr val="dk1">
+                      <a:alpha val="40000"/>
+                    </a:schemeClr>
                   </a:outerShdw>
                 </a:effectLst>
-                <a:latin typeface="Proxima Nova Lt" panose="02000506030000020004" pitchFamily="50" charset="0"/>
+                <a:latin typeface="Trajan Pro" panose="02020502050506020301" pitchFamily="18" charset="0"/>
               </a:rPr>
-              <a:t>Promises</a:t>
+              <a:t>Wrap</a:t>
             </a:r>
-          </a:p>
-          <a:p>
-            <a:pPr marL="457200" indent="-457200">
-              <a:buFont typeface="Arial" panose="020B0604020202020204" pitchFamily="34" charset="0"/>
-              <a:buChar char="•"/>
-            </a:pPr>
+            <a:endParaRPr lang="en-US" sz="2000" dirty="0">
+              <a:ln w="0"/>
+              <a:effectLst>
+                <a:outerShdw blurRad="38100" dist="19050" dir="2700000" algn="tl" rotWithShape="0">
+                  <a:schemeClr val="dk1">
+                    <a:alpha val="40000"/>
+                  </a:schemeClr>
+                </a:outerShdw>
+              </a:effectLst>
+              <a:latin typeface="Trajan Pro" panose="02020502050506020301" pitchFamily="18" charset="0"/>
+            </a:endParaRPr>
+          </a:p>
+        </p:txBody>
+      </p:sp>
+      <p:sp>
+        <p:nvSpPr>
+          <p:cNvPr id="8" name="Right Brace 7"/>
+          <p:cNvSpPr/>
+          <p:nvPr/>
+        </p:nvSpPr>
+        <p:spPr>
+          <a:xfrm>
+            <a:off x="7603524" y="3113903"/>
+            <a:ext cx="518984" cy="1079156"/>
+          </a:xfrm>
+          <a:prstGeom prst="rightBrace">
+            <a:avLst/>
+          </a:prstGeom>
+        </p:spPr>
+        <p:style>
+          <a:lnRef idx="3">
+            <a:schemeClr val="dk1"/>
+          </a:lnRef>
+          <a:fillRef idx="0">
+            <a:schemeClr val="dk1"/>
+          </a:fillRef>
+          <a:effectRef idx="2">
+            <a:schemeClr val="dk1"/>
+          </a:effectRef>
+          <a:fontRef idx="minor">
+            <a:schemeClr val="tx1"/>
+          </a:fontRef>
+        </p:style>
+        <p:txBody>
+          <a:bodyPr rtlCol="0" anchor="ctr"/>
+          <a:lstStyle/>
+          <a:p>
+            <a:pPr algn="ctr"/>
+            <a:endParaRPr lang="en-US" b="1" dirty="0"/>
+          </a:p>
+        </p:txBody>
+      </p:sp>
+      <p:sp>
+        <p:nvSpPr>
+          <p:cNvPr id="11" name="TextBox 10"/>
+          <p:cNvSpPr txBox="1"/>
+          <p:nvPr/>
+        </p:nvSpPr>
+        <p:spPr>
+          <a:xfrm>
+            <a:off x="8225478" y="3443874"/>
+            <a:ext cx="2479591" cy="400110"/>
+          </a:xfrm>
+          <a:prstGeom prst="rect">
+            <a:avLst/>
+          </a:prstGeom>
+          <a:noFill/>
+        </p:spPr>
+        <p:txBody>
+          <a:bodyPr wrap="square" rtlCol="0">
+            <a:spAutoFit/>
+          </a:bodyPr>
+          <a:lstStyle/>
+          <a:p>
             <a:r>
-              <a:rPr lang="en-US" sz="3200" dirty="0" smtClean="0">
+              <a:rPr lang="en-US" sz="2000" dirty="0" smtClean="0">
+                <a:ln w="0"/>
+                <a:solidFill>
+                  <a:schemeClr val="bg1"/>
+                </a:solidFill>
                 <a:effectLst>
-                  <a:outerShdw blurRad="38100" dist="38100" dir="2700000" algn="tl">
-                    <a:srgbClr val="000000">
-                      <a:alpha val="43137"/>
-                    </a:srgbClr>
+                  <a:outerShdw blurRad="38100" dist="19050" dir="2700000" algn="tl" rotWithShape="0">
+                    <a:schemeClr val="dk1">
+                      <a:alpha val="40000"/>
+                    </a:schemeClr>
                   </a:outerShdw>
                 </a:effectLst>
-                <a:latin typeface="Proxima Nova Lt" panose="02000506030000020004" pitchFamily="50" charset="0"/>
+                <a:latin typeface="Trajan Pro" panose="02020502050506020301" pitchFamily="18" charset="0"/>
               </a:rPr>
-              <a:t>Plugins</a:t>
+              <a:t>Module Code</a:t>
             </a:r>
-          </a:p>
-          <a:p>
-            <a:pPr marL="457200" indent="-457200">
-              <a:buFont typeface="Arial" panose="020B0604020202020204" pitchFamily="34" charset="0"/>
-              <a:buChar char="•"/>
-            </a:pPr>
-            <a:r>
-              <a:rPr lang="en-US" sz="3200" dirty="0" smtClean="0">
-                <a:effectLst>
-                  <a:outerShdw blurRad="38100" dist="38100" dir="2700000" algn="tl">
-                    <a:srgbClr val="000000">
-                      <a:alpha val="43137"/>
-                    </a:srgbClr>
-                  </a:outerShdw>
-                </a:effectLst>
-                <a:latin typeface="Proxima Nova Lt" panose="02000506030000020004" pitchFamily="50" charset="0"/>
-              </a:rPr>
-              <a:t>Everything else is just sugar…</a:t>
-            </a:r>
-            <a:endParaRPr lang="en-US" sz="3200" dirty="0" smtClean="0">
+            <a:endParaRPr lang="en-US" sz="2000" dirty="0">
+              <a:ln w="0"/>
+              <a:solidFill>
+                <a:schemeClr val="bg1"/>
+              </a:solidFill>
               <a:effectLst>
-                <a:outerShdw blurRad="38100" dist="38100" dir="2700000" algn="tl">
-                  <a:srgbClr val="000000">
-                    <a:alpha val="43137"/>
-                  </a:srgbClr>
+                <a:outerShdw blurRad="38100" dist="19050" dir="2700000" algn="tl" rotWithShape="0">
+                  <a:schemeClr val="dk1">
+                    <a:alpha val="40000"/>
+                  </a:schemeClr>
                 </a:outerShdw>
               </a:effectLst>
-              <a:latin typeface="Proxima Nova Lt" panose="02000506030000020004" pitchFamily="50" charset="0"/>
+              <a:latin typeface="Trajan Pro" panose="02020502050506020301" pitchFamily="18" charset="0"/>
             </a:endParaRPr>
           </a:p>
-          <a:p>
-            <a:pPr marL="457200" indent="-457200">
-              <a:buFont typeface="Arial" panose="020B0604020202020204" pitchFamily="34" charset="0"/>
-              <a:buChar char="•"/>
-            </a:pPr>
-            <a:endParaRPr lang="en-US" sz="3200" dirty="0" smtClean="0">
-              <a:effectLst>
-                <a:outerShdw blurRad="38100" dist="38100" dir="2700000" algn="tl">
-                  <a:srgbClr val="000000">
-                    <a:alpha val="43137"/>
-                  </a:srgbClr>
-                </a:outerShdw>
-              </a:effectLst>
-              <a:latin typeface="Proxima Nova Lt" panose="02000506030000020004" pitchFamily="50" charset="0"/>
-            </a:endParaRPr>
-          </a:p>
-          <a:p>
-            <a:pPr marL="342900" indent="-342900">
-              <a:buFont typeface="Arial" panose="020B0604020202020204" pitchFamily="34" charset="0"/>
-              <a:buChar char="•"/>
-            </a:pPr>
-            <a:endParaRPr lang="en-US" sz="2400" dirty="0" smtClean="0">
-              <a:effectLst>
-                <a:outerShdw blurRad="38100" dist="38100" dir="2700000" algn="tl">
-                  <a:srgbClr val="000000">
-                    <a:alpha val="43137"/>
-                  </a:srgbClr>
-                </a:outerShdw>
-              </a:effectLst>
-              <a:latin typeface="Proxima Nova Lt" panose="02000506030000020004" pitchFamily="50" charset="0"/>
-            </a:endParaRPr>
-          </a:p>
-          <a:p>
-            <a:pPr marL="342900" indent="-342900">
-              <a:buFont typeface="Arial" panose="020B0604020202020204" pitchFamily="34" charset="0"/>
-              <a:buChar char="•"/>
-            </a:pPr>
-            <a:endParaRPr lang="en-US" sz="2400" dirty="0">
-              <a:effectLst>
-                <a:outerShdw blurRad="38100" dist="38100" dir="2700000" algn="tl">
-                  <a:srgbClr val="000000">
-                    <a:alpha val="43137"/>
-                  </a:srgbClr>
-                </a:outerShdw>
-              </a:effectLst>
-              <a:latin typeface="Proxima Nova Lt" panose="02000506030000020004" pitchFamily="50" charset="0"/>
-            </a:endParaRPr>
+        </p:txBody>
+      </p:sp>
+      <p:sp>
+        <p:nvSpPr>
+          <p:cNvPr id="12" name="Right Brace 11"/>
+          <p:cNvSpPr/>
+          <p:nvPr/>
+        </p:nvSpPr>
+        <p:spPr>
+          <a:xfrm rot="10800000">
+            <a:off x="551934" y="2844120"/>
+            <a:ext cx="856736" cy="1620787"/>
+          </a:xfrm>
+          <a:prstGeom prst="rightBrace">
+            <a:avLst/>
+          </a:prstGeom>
+        </p:spPr>
+        <p:style>
+          <a:lnRef idx="3">
+            <a:schemeClr val="dk1"/>
+          </a:lnRef>
+          <a:fillRef idx="0">
+            <a:schemeClr val="dk1"/>
+          </a:fillRef>
+          <a:effectRef idx="2">
+            <a:schemeClr val="dk1"/>
+          </a:effectRef>
+          <a:fontRef idx="minor">
+            <a:schemeClr val="tx1"/>
+          </a:fontRef>
+        </p:style>
+        <p:txBody>
+          <a:bodyPr rtlCol="0" anchor="ctr"/>
+          <a:lstStyle/>
+          <a:p>
+            <a:pPr algn="ctr"/>
+            <a:endParaRPr lang="en-US" b="1" dirty="0"/>
           </a:p>
         </p:txBody>
       </p:sp>
     </p:spTree>
     <p:extLst>
       <p:ext uri="{BB962C8B-B14F-4D97-AF65-F5344CB8AC3E}">
-        <p14:creationId xmlns:p14="http://schemas.microsoft.com/office/powerpoint/2010/main" val="2196335328"/>
+        <p14:creationId xmlns:p14="http://schemas.microsoft.com/office/powerpoint/2010/main" val="2639771920"/>
       </p:ext>
     </p:extLst>
   </p:cSld>
   <p:clrMapOvr>
     <a:masterClrMapping/>
   </p:clrMapOvr>
-  <mc:AlternateContent xmlns:mc="http://schemas.openxmlformats.org/markup-compatibility/2006">
-    <mc:Choice xmlns:p14="http://schemas.microsoft.com/office/powerpoint/2010/main" Requires="p14">
+  <mc:AlternateContent xmlns:mc="http://schemas.openxmlformats.org/markup-compatibility/2006" xmlns:p14="http://schemas.microsoft.com/office/powerpoint/2010/main">
+    <mc:Choice Requires="p14">
       <p:transition spd="med" p14:dur="700">
         <p:fade/>
       </p:transition>
     </mc:Choice>
-    <mc:Fallback>
+    <mc:Fallback xmlns="">
       <p:transition spd="med">
         <p:fade/>
       </p:transition>
@@ -12516,7 +13916,7 @@
       </p:grpSpPr>
       <p:sp>
         <p:nvSpPr>
-          <p:cNvPr id="5" name="Title 1"/>
+          <p:cNvPr id="10" name="Title 1"/>
           <p:cNvSpPr txBox="1">
             <a:spLocks/>
           </p:cNvSpPr>
@@ -12524,8 +13924,8 @@
         </p:nvSpPr>
         <p:spPr>
           <a:xfrm>
-            <a:off x="465728" y="224553"/>
-            <a:ext cx="10769622" cy="1094449"/>
+            <a:off x="432777" y="181233"/>
+            <a:ext cx="10769622" cy="955589"/>
           </a:xfrm>
           <a:prstGeom prst="rect">
             <a:avLst/>
@@ -12554,7 +13954,7 @@
         </p:spPr>
         <p:txBody>
           <a:bodyPr vert="horz" lIns="91440" tIns="45720" rIns="91440" bIns="45720" rtlCol="0" anchor="b">
-            <a:normAutofit fontScale="97500"/>
+            <a:noAutofit/>
           </a:bodyPr>
           <a:lstStyle>
             <a:lvl1pPr algn="l" defTabSz="457200" rtl="0" eaLnBrk="1" latinLnBrk="0" hangingPunct="1">
@@ -12634,15 +14034,15 @@
           </a:lstStyle>
           <a:p>
             <a:r>
-              <a:rPr lang="en-US" sz="6600" dirty="0" smtClean="0">
+              <a:rPr lang="en-US" sz="5900" dirty="0" smtClean="0">
                 <a:solidFill>
                   <a:prstClr val="white"/>
                 </a:solidFill>
                 <a:latin typeface="Trajan Pro" panose="02020602050506020301" pitchFamily="18" charset="0"/>
               </a:rPr>
-              <a:t>Lifecycle</a:t>
+              <a:t>Knockout</a:t>
             </a:r>
-            <a:endParaRPr lang="en-US" sz="6600" dirty="0">
+            <a:endParaRPr lang="en-US" sz="5900" dirty="0">
               <a:solidFill>
                 <a:prstClr val="white"/>
               </a:solidFill>
@@ -12651,32 +14051,221 @@
           </a:p>
         </p:txBody>
       </p:sp>
-      <p:graphicFrame>
-        <p:nvGraphicFramePr>
-          <p:cNvPr id="6" name="Diagram 5"/>
-          <p:cNvGraphicFramePr/>
-          <p:nvPr>
-            <p:extLst>
-              <p:ext uri="{D42A27DB-BD31-4B8C-83A1-F6EECF244321}">
-                <p14:modId xmlns:p14="http://schemas.microsoft.com/office/powerpoint/2010/main" val="1946191482"/>
-              </p:ext>
-            </p:extLst>
-          </p:nvPr>
-        </p:nvGraphicFramePr>
-        <p:xfrm>
-          <a:off x="1223617" y="1827690"/>
-          <a:ext cx="7714443" cy="4227120"/>
-        </p:xfrm>
-        <a:graphic>
-          <a:graphicData uri="http://schemas.openxmlformats.org/drawingml/2006/diagram">
-            <dgm:relIds xmlns:dgm="http://schemas.openxmlformats.org/drawingml/2006/diagram" xmlns:r="http://schemas.openxmlformats.org/officeDocument/2006/relationships" r:dm="rId2" r:lo="rId3" r:qs="rId4" r:cs="rId5"/>
-          </a:graphicData>
-        </a:graphic>
-      </p:graphicFrame>
+      <p:pic>
+        <p:nvPicPr>
+          <p:cNvPr id="2" name="Picture 1"/>
+          <p:cNvPicPr>
+            <a:picLocks noChangeAspect="1"/>
+          </p:cNvPicPr>
+          <p:nvPr/>
+        </p:nvPicPr>
+        <p:blipFill>
+          <a:blip r:embed="rId2">
+            <a:extLst>
+              <a:ext uri="{28A0092B-C50C-407E-A947-70E740481C1C}">
+                <a14:useLocalDpi xmlns:a14="http://schemas.microsoft.com/office/drawing/2010/main" val="0"/>
+              </a:ext>
+            </a:extLst>
+          </a:blip>
+          <a:stretch>
+            <a:fillRect/>
+          </a:stretch>
+        </p:blipFill>
+        <p:spPr>
+          <a:xfrm>
+            <a:off x="705980" y="1835225"/>
+            <a:ext cx="10668575" cy="3785400"/>
+          </a:xfrm>
+          <a:prstGeom prst="rect">
+            <a:avLst/>
+          </a:prstGeom>
+          <a:ln>
+            <a:noFill/>
+          </a:ln>
+          <a:effectLst>
+            <a:outerShdw blurRad="190500" algn="tl" rotWithShape="0">
+              <a:srgbClr val="000000">
+                <a:alpha val="70000"/>
+              </a:srgbClr>
+            </a:outerShdw>
+          </a:effectLst>
+        </p:spPr>
+      </p:pic>
+      <p:cxnSp>
+        <p:nvCxnSpPr>
+          <p:cNvPr id="4" name="Straight Arrow Connector 3"/>
+          <p:cNvCxnSpPr/>
+          <p:nvPr/>
+        </p:nvCxnSpPr>
+        <p:spPr>
+          <a:xfrm rot="10980000" flipV="1">
+            <a:off x="3484605" y="1474573"/>
+            <a:ext cx="1639330" cy="922638"/>
+          </a:xfrm>
+          <a:prstGeom prst="straightConnector1">
+            <a:avLst/>
+          </a:prstGeom>
+          <a:ln>
+            <a:tailEnd type="stealth" w="lg" len="lg"/>
+          </a:ln>
+        </p:spPr>
+        <p:style>
+          <a:lnRef idx="3">
+            <a:schemeClr val="dk1"/>
+          </a:lnRef>
+          <a:fillRef idx="0">
+            <a:schemeClr val="dk1"/>
+          </a:fillRef>
+          <a:effectRef idx="2">
+            <a:schemeClr val="dk1"/>
+          </a:effectRef>
+          <a:fontRef idx="minor">
+            <a:schemeClr val="tx1"/>
+          </a:fontRef>
+        </p:style>
+      </p:cxnSp>
+      <p:sp>
+        <p:nvSpPr>
+          <p:cNvPr id="6" name="TextBox 5"/>
+          <p:cNvSpPr txBox="1"/>
+          <p:nvPr/>
+        </p:nvSpPr>
+        <p:spPr>
+          <a:xfrm>
+            <a:off x="5146956" y="1279823"/>
+            <a:ext cx="3648252" cy="400110"/>
+          </a:xfrm>
+          <a:prstGeom prst="rect">
+            <a:avLst/>
+          </a:prstGeom>
+          <a:noFill/>
+        </p:spPr>
+        <p:txBody>
+          <a:bodyPr wrap="square" rtlCol="0">
+            <a:spAutoFit/>
+          </a:bodyPr>
+          <a:lstStyle/>
+          <a:p>
+            <a:r>
+              <a:rPr lang="en-US" sz="2000" dirty="0" smtClean="0">
+                <a:ln w="0"/>
+                <a:effectLst>
+                  <a:outerShdw blurRad="38100" dist="19050" dir="2700000" algn="tl" rotWithShape="0">
+                    <a:schemeClr val="dk1">
+                      <a:alpha val="40000"/>
+                    </a:schemeClr>
+                  </a:outerShdw>
+                </a:effectLst>
+                <a:latin typeface="Trajan Pro" panose="02020502050506020301" pitchFamily="18" charset="0"/>
+              </a:rPr>
+              <a:t>Declarative Binding</a:t>
+            </a:r>
+            <a:endParaRPr lang="en-US" sz="2000" dirty="0">
+              <a:ln w="0"/>
+              <a:effectLst>
+                <a:outerShdw blurRad="38100" dist="19050" dir="2700000" algn="tl" rotWithShape="0">
+                  <a:schemeClr val="dk1">
+                    <a:alpha val="40000"/>
+                  </a:schemeClr>
+                </a:outerShdw>
+              </a:effectLst>
+              <a:latin typeface="Trajan Pro" panose="02020502050506020301" pitchFamily="18" charset="0"/>
+            </a:endParaRPr>
+          </a:p>
+        </p:txBody>
+      </p:sp>
+      <p:sp>
+        <p:nvSpPr>
+          <p:cNvPr id="5" name="Rectangle 4"/>
+          <p:cNvSpPr/>
+          <p:nvPr/>
+        </p:nvSpPr>
+        <p:spPr>
+          <a:xfrm>
+            <a:off x="1272619" y="3902697"/>
+            <a:ext cx="3563332" cy="188536"/>
+          </a:xfrm>
+          <a:prstGeom prst="rect">
+            <a:avLst/>
+          </a:prstGeom>
+          <a:noFill/>
+          <a:ln>
+            <a:solidFill>
+              <a:srgbClr val="FFFF00"/>
+            </a:solidFill>
+          </a:ln>
+        </p:spPr>
+        <p:style>
+          <a:lnRef idx="2">
+            <a:schemeClr val="accent2"/>
+          </a:lnRef>
+          <a:fillRef idx="1">
+            <a:schemeClr val="lt1"/>
+          </a:fillRef>
+          <a:effectRef idx="0">
+            <a:schemeClr val="accent2"/>
+          </a:effectRef>
+          <a:fontRef idx="minor">
+            <a:schemeClr val="dk1"/>
+          </a:fontRef>
+        </p:style>
+        <p:txBody>
+          <a:bodyPr rtlCol="0" anchor="ctr"/>
+          <a:lstStyle/>
+          <a:p>
+            <a:pPr algn="ctr"/>
+            <a:endParaRPr lang="en-US"/>
+          </a:p>
+        </p:txBody>
+      </p:sp>
+      <p:sp>
+        <p:nvSpPr>
+          <p:cNvPr id="8" name="Rectangle 7"/>
+          <p:cNvSpPr/>
+          <p:nvPr/>
+        </p:nvSpPr>
+        <p:spPr>
+          <a:xfrm>
+            <a:off x="2903456" y="2373305"/>
+            <a:ext cx="2592371" cy="218656"/>
+          </a:xfrm>
+          <a:prstGeom prst="rect">
+            <a:avLst/>
+          </a:prstGeom>
+          <a:noFill/>
+          <a:ln>
+            <a:solidFill>
+              <a:srgbClr val="FFFF00"/>
+            </a:solidFill>
+          </a:ln>
+        </p:spPr>
+        <p:style>
+          <a:lnRef idx="2">
+            <a:schemeClr val="accent2"/>
+          </a:lnRef>
+          <a:fillRef idx="1">
+            <a:schemeClr val="lt1"/>
+          </a:fillRef>
+          <a:effectRef idx="0">
+            <a:schemeClr val="accent2"/>
+          </a:effectRef>
+          <a:fontRef idx="minor">
+            <a:schemeClr val="dk1"/>
+          </a:fontRef>
+        </p:style>
+        <p:txBody>
+          <a:bodyPr rtlCol="0" anchor="ctr"/>
+          <a:lstStyle/>
+          <a:p>
+            <a:pPr algn="ctr"/>
+            <a:endParaRPr lang="en-US"/>
+          </a:p>
+        </p:txBody>
+      </p:sp>
     </p:spTree>
     <p:extLst>
       <p:ext uri="{BB962C8B-B14F-4D97-AF65-F5344CB8AC3E}">
-        <p14:creationId xmlns:p14="http://schemas.microsoft.com/office/powerpoint/2010/main" val="2122076132"/>
+        <p14:creationId xmlns:p14="http://schemas.microsoft.com/office/powerpoint/2010/main" val="4185732913"/>
       </p:ext>
     </p:extLst>
   </p:cSld>
@@ -12740,19 +14329,20 @@
       </p:grpSpPr>
       <p:sp>
         <p:nvSpPr>
-          <p:cNvPr id="11" name="Title 1"/>
-          <p:cNvSpPr>
-            <a:spLocks noGrp="1"/>
+          <p:cNvPr id="10" name="Title 1"/>
+          <p:cNvSpPr txBox="1">
+            <a:spLocks/>
           </p:cNvSpPr>
-          <p:nvPr>
-            <p:ph type="ctrTitle"/>
-          </p:nvPr>
+          <p:nvPr/>
         </p:nvSpPr>
         <p:spPr>
           <a:xfrm>
-            <a:off x="1773209" y="2258194"/>
-            <a:ext cx="6510711" cy="1801639"/>
+            <a:off x="432777" y="181233"/>
+            <a:ext cx="10769622" cy="955589"/>
           </a:xfrm>
+          <a:prstGeom prst="rect">
+            <a:avLst/>
+          </a:prstGeom>
           <a:ln>
             <a:noFill/>
           </a:ln>
@@ -12776,40 +14366,457 @@
           </a:sp3d>
         </p:spPr>
         <p:txBody>
-          <a:bodyPr>
+          <a:bodyPr vert="horz" lIns="91440" tIns="45720" rIns="91440" bIns="45720" rtlCol="0" anchor="b">
+            <a:noAutofit/>
+          </a:bodyPr>
+          <a:lstStyle>
+            <a:lvl1pPr algn="l" defTabSz="457200" rtl="0" eaLnBrk="1" latinLnBrk="0" hangingPunct="1">
+              <a:spcBef>
+                <a:spcPct val="0"/>
+              </a:spcBef>
+              <a:buNone/>
+              <a:defRPr sz="4800" kern="1200" cap="all">
+                <a:ln w="3175" cmpd="sng">
+                  <a:noFill/>
+                </a:ln>
+                <a:solidFill>
+                  <a:schemeClr val="tx1"/>
+                </a:solidFill>
+                <a:effectLst/>
+                <a:latin typeface="+mj-lt"/>
+                <a:ea typeface="+mj-ea"/>
+                <a:cs typeface="+mj-cs"/>
+              </a:defRPr>
+            </a:lvl1pPr>
+            <a:lvl2pPr eaLnBrk="1" hangingPunct="1">
+              <a:defRPr>
+                <a:solidFill>
+                  <a:schemeClr val="tx2"/>
+                </a:solidFill>
+              </a:defRPr>
+            </a:lvl2pPr>
+            <a:lvl3pPr eaLnBrk="1" hangingPunct="1">
+              <a:defRPr>
+                <a:solidFill>
+                  <a:schemeClr val="tx2"/>
+                </a:solidFill>
+              </a:defRPr>
+            </a:lvl3pPr>
+            <a:lvl4pPr eaLnBrk="1" hangingPunct="1">
+              <a:defRPr>
+                <a:solidFill>
+                  <a:schemeClr val="tx2"/>
+                </a:solidFill>
+              </a:defRPr>
+            </a:lvl4pPr>
+            <a:lvl5pPr eaLnBrk="1" hangingPunct="1">
+              <a:defRPr>
+                <a:solidFill>
+                  <a:schemeClr val="tx2"/>
+                </a:solidFill>
+              </a:defRPr>
+            </a:lvl5pPr>
+            <a:lvl6pPr eaLnBrk="1" hangingPunct="1">
+              <a:defRPr>
+                <a:solidFill>
+                  <a:schemeClr val="tx2"/>
+                </a:solidFill>
+              </a:defRPr>
+            </a:lvl6pPr>
+            <a:lvl7pPr eaLnBrk="1" hangingPunct="1">
+              <a:defRPr>
+                <a:solidFill>
+                  <a:schemeClr val="tx2"/>
+                </a:solidFill>
+              </a:defRPr>
+            </a:lvl7pPr>
+            <a:lvl8pPr eaLnBrk="1" hangingPunct="1">
+              <a:defRPr>
+                <a:solidFill>
+                  <a:schemeClr val="tx2"/>
+                </a:solidFill>
+              </a:defRPr>
+            </a:lvl8pPr>
+            <a:lvl9pPr eaLnBrk="1" hangingPunct="1">
+              <a:defRPr>
+                <a:solidFill>
+                  <a:schemeClr val="tx2"/>
+                </a:solidFill>
+              </a:defRPr>
+            </a:lvl9pPr>
+          </a:lstStyle>
+          <a:p>
+            <a:r>
+              <a:rPr lang="en-US" sz="5900" dirty="0" smtClean="0">
+                <a:solidFill>
+                  <a:prstClr val="white"/>
+                </a:solidFill>
+                <a:latin typeface="Trajan Pro" panose="02020602050506020301" pitchFamily="18" charset="0"/>
+              </a:rPr>
+              <a:t>The 3 Pillars</a:t>
+            </a:r>
+            <a:endParaRPr lang="en-US" sz="5900" dirty="0">
+              <a:solidFill>
+                <a:prstClr val="white"/>
+              </a:solidFill>
+              <a:latin typeface="Trajan Pro" panose="02020602050506020301" pitchFamily="18" charset="0"/>
+            </a:endParaRPr>
+          </a:p>
+        </p:txBody>
+      </p:sp>
+      <p:sp>
+        <p:nvSpPr>
+          <p:cNvPr id="5" name="Subtitle 2"/>
+          <p:cNvSpPr txBox="1">
+            <a:spLocks/>
+          </p:cNvSpPr>
+          <p:nvPr/>
+        </p:nvSpPr>
+        <p:spPr>
+          <a:xfrm>
+            <a:off x="1080720" y="2615980"/>
+            <a:ext cx="7587532" cy="3637489"/>
+          </a:xfrm>
+          <a:prstGeom prst="rect">
+            <a:avLst/>
+          </a:prstGeom>
+        </p:spPr>
+        <p:txBody>
+          <a:bodyPr vert="horz" lIns="91440" tIns="45720" rIns="91440" bIns="45720" rtlCol="0" anchor="t">
             <a:normAutofit/>
           </a:bodyPr>
-          <a:lstStyle/>
-          <a:p>
+          <a:lstStyle>
+            <a:lvl1pPr marL="0" indent="0" algn="l" defTabSz="457200" rtl="0" eaLnBrk="1" latinLnBrk="0" hangingPunct="1">
+              <a:spcBef>
+                <a:spcPct val="20000"/>
+              </a:spcBef>
+              <a:spcAft>
+                <a:spcPts val="600"/>
+              </a:spcAft>
+              <a:buClr>
+                <a:schemeClr val="tx1"/>
+              </a:buClr>
+              <a:buSzPct val="80000"/>
+              <a:buFont typeface="Wingdings 3" panose="05040102010807070707" pitchFamily="18" charset="2"/>
+              <a:buNone/>
+              <a:defRPr sz="2100" kern="1200" cap="none">
+                <a:solidFill>
+                  <a:schemeClr val="tx1"/>
+                </a:solidFill>
+                <a:effectLst/>
+                <a:latin typeface="+mn-lt"/>
+                <a:ea typeface="+mn-ea"/>
+                <a:cs typeface="+mn-cs"/>
+              </a:defRPr>
+            </a:lvl1pPr>
+            <a:lvl2pPr marL="457200" indent="0" algn="ctr" defTabSz="457200" rtl="0" eaLnBrk="1" latinLnBrk="0" hangingPunct="1">
+              <a:spcBef>
+                <a:spcPct val="20000"/>
+              </a:spcBef>
+              <a:spcAft>
+                <a:spcPts val="600"/>
+              </a:spcAft>
+              <a:buClr>
+                <a:schemeClr val="tx1"/>
+              </a:buClr>
+              <a:buSzPct val="80000"/>
+              <a:buFont typeface="Wingdings 3" panose="05040102010807070707" pitchFamily="18" charset="2"/>
+              <a:buNone/>
+              <a:defRPr sz="1800" kern="1200" cap="none">
+                <a:solidFill>
+                  <a:schemeClr val="tx1">
+                    <a:tint val="75000"/>
+                  </a:schemeClr>
+                </a:solidFill>
+                <a:effectLst/>
+                <a:latin typeface="+mn-lt"/>
+                <a:ea typeface="+mn-ea"/>
+                <a:cs typeface="+mn-cs"/>
+              </a:defRPr>
+            </a:lvl2pPr>
+            <a:lvl3pPr marL="914400" indent="0" algn="ctr" defTabSz="457200" rtl="0" eaLnBrk="1" latinLnBrk="0" hangingPunct="1">
+              <a:spcBef>
+                <a:spcPct val="20000"/>
+              </a:spcBef>
+              <a:spcAft>
+                <a:spcPts val="600"/>
+              </a:spcAft>
+              <a:buClr>
+                <a:schemeClr val="tx1"/>
+              </a:buClr>
+              <a:buSzPct val="80000"/>
+              <a:buFont typeface="Wingdings 3" panose="05040102010807070707" pitchFamily="18" charset="2"/>
+              <a:buNone/>
+              <a:defRPr sz="1600" kern="1200" cap="none">
+                <a:solidFill>
+                  <a:schemeClr val="tx1">
+                    <a:tint val="75000"/>
+                  </a:schemeClr>
+                </a:solidFill>
+                <a:effectLst/>
+                <a:latin typeface="+mn-lt"/>
+                <a:ea typeface="+mn-ea"/>
+                <a:cs typeface="+mn-cs"/>
+              </a:defRPr>
+            </a:lvl3pPr>
+            <a:lvl4pPr marL="1371600" indent="0" algn="ctr" defTabSz="457200" rtl="0" eaLnBrk="1" latinLnBrk="0" hangingPunct="1">
+              <a:spcBef>
+                <a:spcPct val="20000"/>
+              </a:spcBef>
+              <a:spcAft>
+                <a:spcPts val="600"/>
+              </a:spcAft>
+              <a:buClr>
+                <a:schemeClr val="tx1"/>
+              </a:buClr>
+              <a:buSzPct val="80000"/>
+              <a:buFont typeface="Wingdings 3" panose="05040102010807070707" pitchFamily="18" charset="2"/>
+              <a:buNone/>
+              <a:defRPr sz="1400" kern="1200" cap="none">
+                <a:solidFill>
+                  <a:schemeClr val="tx1">
+                    <a:tint val="75000"/>
+                  </a:schemeClr>
+                </a:solidFill>
+                <a:effectLst/>
+                <a:latin typeface="+mn-lt"/>
+                <a:ea typeface="+mn-ea"/>
+                <a:cs typeface="+mn-cs"/>
+              </a:defRPr>
+            </a:lvl4pPr>
+            <a:lvl5pPr marL="1828800" indent="0" algn="ctr" defTabSz="457200" rtl="0" eaLnBrk="1" latinLnBrk="0" hangingPunct="1">
+              <a:spcBef>
+                <a:spcPct val="20000"/>
+              </a:spcBef>
+              <a:spcAft>
+                <a:spcPts val="600"/>
+              </a:spcAft>
+              <a:buClr>
+                <a:schemeClr val="tx1"/>
+              </a:buClr>
+              <a:buSzPct val="80000"/>
+              <a:buFont typeface="Wingdings 3" panose="05040102010807070707" pitchFamily="18" charset="2"/>
+              <a:buNone/>
+              <a:defRPr sz="1400" kern="1200" cap="none">
+                <a:solidFill>
+                  <a:schemeClr val="tx1">
+                    <a:tint val="75000"/>
+                  </a:schemeClr>
+                </a:solidFill>
+                <a:effectLst/>
+                <a:latin typeface="+mn-lt"/>
+                <a:ea typeface="+mn-ea"/>
+                <a:cs typeface="+mn-cs"/>
+              </a:defRPr>
+            </a:lvl5pPr>
+            <a:lvl6pPr marL="2286000" indent="0" algn="ctr" defTabSz="457200" rtl="0" eaLnBrk="1" latinLnBrk="0" hangingPunct="1">
+              <a:spcBef>
+                <a:spcPct val="20000"/>
+              </a:spcBef>
+              <a:spcAft>
+                <a:spcPts val="600"/>
+              </a:spcAft>
+              <a:buClr>
+                <a:schemeClr val="tx1"/>
+              </a:buClr>
+              <a:buSzPct val="80000"/>
+              <a:buFont typeface="Wingdings 3" panose="05040102010807070707" pitchFamily="18" charset="2"/>
+              <a:buNone/>
+              <a:defRPr sz="1400" kern="1200" cap="none">
+                <a:solidFill>
+                  <a:schemeClr val="tx1">
+                    <a:tint val="75000"/>
+                  </a:schemeClr>
+                </a:solidFill>
+                <a:effectLst/>
+                <a:latin typeface="+mn-lt"/>
+                <a:ea typeface="+mn-ea"/>
+                <a:cs typeface="+mn-cs"/>
+              </a:defRPr>
+            </a:lvl6pPr>
+            <a:lvl7pPr marL="2743200" indent="0" algn="ctr" defTabSz="457200" rtl="0" eaLnBrk="1" latinLnBrk="0" hangingPunct="1">
+              <a:spcBef>
+                <a:spcPct val="20000"/>
+              </a:spcBef>
+              <a:spcAft>
+                <a:spcPts val="600"/>
+              </a:spcAft>
+              <a:buClr>
+                <a:schemeClr val="tx1"/>
+              </a:buClr>
+              <a:buSzPct val="80000"/>
+              <a:buFont typeface="Wingdings 3" panose="05040102010807070707" pitchFamily="18" charset="2"/>
+              <a:buNone/>
+              <a:defRPr sz="1400" kern="1200" cap="none">
+                <a:solidFill>
+                  <a:schemeClr val="tx1">
+                    <a:tint val="75000"/>
+                  </a:schemeClr>
+                </a:solidFill>
+                <a:effectLst/>
+                <a:latin typeface="+mn-lt"/>
+                <a:ea typeface="+mn-ea"/>
+                <a:cs typeface="+mn-cs"/>
+              </a:defRPr>
+            </a:lvl7pPr>
+            <a:lvl8pPr marL="3200400" indent="0" algn="ctr" defTabSz="457200" rtl="0" eaLnBrk="1" latinLnBrk="0" hangingPunct="1">
+              <a:spcBef>
+                <a:spcPct val="20000"/>
+              </a:spcBef>
+              <a:spcAft>
+                <a:spcPts val="600"/>
+              </a:spcAft>
+              <a:buClr>
+                <a:schemeClr val="tx1"/>
+              </a:buClr>
+              <a:buSzPct val="80000"/>
+              <a:buFont typeface="Wingdings 3" panose="05040102010807070707" pitchFamily="18" charset="2"/>
+              <a:buNone/>
+              <a:defRPr sz="1400" kern="1200" cap="none">
+                <a:solidFill>
+                  <a:schemeClr val="tx1">
+                    <a:tint val="75000"/>
+                  </a:schemeClr>
+                </a:solidFill>
+                <a:effectLst/>
+                <a:latin typeface="+mn-lt"/>
+                <a:ea typeface="+mn-ea"/>
+                <a:cs typeface="+mn-cs"/>
+              </a:defRPr>
+            </a:lvl8pPr>
+            <a:lvl9pPr marL="3657600" indent="0" algn="ctr" defTabSz="457200" rtl="0" eaLnBrk="1" latinLnBrk="0" hangingPunct="1">
+              <a:spcBef>
+                <a:spcPct val="20000"/>
+              </a:spcBef>
+              <a:spcAft>
+                <a:spcPts val="600"/>
+              </a:spcAft>
+              <a:buClr>
+                <a:schemeClr val="tx1"/>
+              </a:buClr>
+              <a:buSzPct val="80000"/>
+              <a:buFont typeface="Wingdings 3" panose="05040102010807070707" pitchFamily="18" charset="2"/>
+              <a:buNone/>
+              <a:defRPr sz="1400" kern="1200" cap="none">
+                <a:solidFill>
+                  <a:schemeClr val="tx1">
+                    <a:tint val="75000"/>
+                  </a:schemeClr>
+                </a:solidFill>
+                <a:effectLst/>
+                <a:latin typeface="+mn-lt"/>
+                <a:ea typeface="+mn-ea"/>
+                <a:cs typeface="+mn-cs"/>
+              </a:defRPr>
+            </a:lvl9pPr>
+          </a:lstStyle>
+          <a:p>
+            <a:pPr marL="457200" indent="-457200">
+              <a:buClr>
+                <a:prstClr val="white"/>
+              </a:buClr>
+              <a:buFont typeface="Arial" panose="020B0604020202020204" pitchFamily="34" charset="0"/>
+              <a:buChar char="•"/>
+            </a:pPr>
             <a:r>
-              <a:rPr lang="en-US" sz="9600" cap="none" dirty="0" smtClean="0">
-                <a:latin typeface="Trajan Pro" panose="02020502050506020301" pitchFamily="18" charset="0"/>
+              <a:rPr lang="en-US" sz="3200" dirty="0" smtClean="0">
+                <a:solidFill>
+                  <a:prstClr val="white"/>
+                </a:solidFill>
+                <a:effectLst>
+                  <a:outerShdw blurRad="38100" dist="38100" dir="2700000" algn="tl">
+                    <a:srgbClr val="000000">
+                      <a:alpha val="43137"/>
+                    </a:srgbClr>
+                  </a:outerShdw>
+                </a:effectLst>
+                <a:latin typeface="Proxima Nova Lt" panose="02000506030000020004" pitchFamily="50" charset="0"/>
               </a:rPr>
-              <a:t>DEMO</a:t>
+              <a:t>jQuery</a:t>
             </a:r>
-            <a:endParaRPr lang="en-US" sz="9600" cap="none" dirty="0">
-              <a:latin typeface="Trajan Pro" panose="02020502050506020301" pitchFamily="18" charset="0"/>
+          </a:p>
+          <a:p>
+            <a:pPr marL="457200" indent="-457200">
+              <a:buClr>
+                <a:prstClr val="white"/>
+              </a:buClr>
+              <a:buFont typeface="Arial" panose="020B0604020202020204" pitchFamily="34" charset="0"/>
+              <a:buChar char="•"/>
+            </a:pPr>
+            <a:r>
+              <a:rPr lang="en-US" sz="3200" dirty="0" err="1" smtClean="0">
+                <a:solidFill>
+                  <a:prstClr val="white"/>
+                </a:solidFill>
+                <a:effectLst>
+                  <a:outerShdw blurRad="38100" dist="38100" dir="2700000" algn="tl">
+                    <a:srgbClr val="000000">
+                      <a:alpha val="43137"/>
+                    </a:srgbClr>
+                  </a:outerShdw>
+                </a:effectLst>
+                <a:latin typeface="Proxima Nova Lt" panose="02000506030000020004" pitchFamily="50" charset="0"/>
+              </a:rPr>
+              <a:t>RequireJS</a:t>
+            </a:r>
+            <a:endParaRPr lang="en-US" sz="3200" dirty="0" smtClean="0">
+              <a:solidFill>
+                <a:prstClr val="white"/>
+              </a:solidFill>
+              <a:effectLst>
+                <a:outerShdw blurRad="38100" dist="38100" dir="2700000" algn="tl">
+                  <a:srgbClr val="000000">
+                    <a:alpha val="43137"/>
+                  </a:srgbClr>
+                </a:outerShdw>
+              </a:effectLst>
+              <a:latin typeface="Proxima Nova Lt" panose="02000506030000020004" pitchFamily="50" charset="0"/>
             </a:endParaRPr>
+          </a:p>
+          <a:p>
+            <a:pPr marL="457200" indent="-457200">
+              <a:buClr>
+                <a:prstClr val="white"/>
+              </a:buClr>
+              <a:buFont typeface="Arial" panose="020B0604020202020204" pitchFamily="34" charset="0"/>
+              <a:buChar char="•"/>
+            </a:pPr>
+            <a:r>
+              <a:rPr lang="en-US" sz="3200" dirty="0" smtClean="0">
+                <a:solidFill>
+                  <a:prstClr val="white"/>
+                </a:solidFill>
+                <a:effectLst>
+                  <a:outerShdw blurRad="38100" dist="38100" dir="2700000" algn="tl">
+                    <a:srgbClr val="000000">
+                      <a:alpha val="43137"/>
+                    </a:srgbClr>
+                  </a:outerShdw>
+                </a:effectLst>
+                <a:latin typeface="Proxima Nova Lt" panose="02000506030000020004" pitchFamily="50" charset="0"/>
+              </a:rPr>
+              <a:t>Knockout</a:t>
+            </a:r>
           </a:p>
         </p:txBody>
       </p:sp>
     </p:spTree>
     <p:extLst>
       <p:ext uri="{BB962C8B-B14F-4D97-AF65-F5344CB8AC3E}">
-        <p14:creationId xmlns:p14="http://schemas.microsoft.com/office/powerpoint/2010/main" val="2505477135"/>
+        <p14:creationId xmlns:p14="http://schemas.microsoft.com/office/powerpoint/2010/main" val="2855739396"/>
       </p:ext>
     </p:extLst>
   </p:cSld>
   <p:clrMapOvr>
     <a:masterClrMapping/>
   </p:clrMapOvr>
-  <mc:AlternateContent xmlns:mc="http://schemas.openxmlformats.org/markup-compatibility/2006" xmlns:p14="http://schemas.microsoft.com/office/powerpoint/2010/main">
-    <mc:Choice Requires="p14">
+  <mc:AlternateContent xmlns:mc="http://schemas.openxmlformats.org/markup-compatibility/2006">
+    <mc:Choice xmlns:p14="http://schemas.microsoft.com/office/powerpoint/2010/main" Requires="p14">
       <p:transition spd="med" p14:dur="700">
         <p:fade/>
       </p:transition>
     </mc:Choice>
-    <mc:Fallback xmlns="">
+    <mc:Fallback>
       <p:transition spd="med">
         <p:fade/>
       </p:transition>
